--- a/Module 12_Kubernetes Overview_Container Orchestration/06_Introduction to Kubernetes.pptx
+++ b/Module 12_Kubernetes Overview_Container Orchestration/06_Introduction to Kubernetes.pptx
@@ -22,23 +22,28 @@
     <p:sldId id="267" r:id="rId17"/>
     <p:sldId id="268" r:id="rId18"/>
     <p:sldId id="269" r:id="rId19"/>
+    <p:sldId id="270" r:id="rId20"/>
+    <p:sldId id="271" r:id="rId21"/>
+    <p:sldId id="272" r:id="rId22"/>
+    <p:sldId id="273" r:id="rId23"/>
+    <p:sldId id="274" r:id="rId24"/>
   </p:sldIdLst>
   <p:sldSz cy="6858000" cx="9144000"/>
   <p:notesSz cx="6858000" cy="9144000"/>
   <p:embeddedFontLst>
     <p:embeddedFont>
       <p:font typeface="Poppins"/>
-      <p:regular r:id="rId20"/>
-      <p:bold r:id="rId21"/>
-      <p:italic r:id="rId22"/>
-      <p:boldItalic r:id="rId23"/>
+      <p:regular r:id="rId25"/>
+      <p:bold r:id="rId26"/>
+      <p:italic r:id="rId27"/>
+      <p:boldItalic r:id="rId28"/>
     </p:embeddedFont>
     <p:embeddedFont>
       <p:font typeface="Arvo"/>
-      <p:regular r:id="rId24"/>
-      <p:bold r:id="rId25"/>
-      <p:italic r:id="rId26"/>
-      <p:boldItalic r:id="rId27"/>
+      <p:regular r:id="rId29"/>
+      <p:bold r:id="rId30"/>
+      <p:italic r:id="rId31"/>
+      <p:boldItalic r:id="rId32"/>
     </p:embeddedFont>
   </p:embeddedFontLst>
   <p:defaultTextStyle>
@@ -1116,7 +1121,7 @@
   <p:cSld>
     <p:spTree>
       <p:nvGrpSpPr>
-        <p:cNvPr id="167" name="Shape 167"/>
+        <p:cNvPr id="168" name="Shape 168"/>
         <p:cNvGrpSpPr/>
         <p:nvPr/>
       </p:nvGrpSpPr>
@@ -1130,7 +1135,7 @@
       </p:grpSpPr>
       <p:sp>
         <p:nvSpPr>
-          <p:cNvPr id="168" name="Google Shape;168;g22f9b4bedc7_1_47:notes"/>
+          <p:cNvPr id="169" name="Google Shape;169;g22f9b4bedc7_1_47:notes"/>
           <p:cNvSpPr/>
           <p:nvPr>
             <p:ph idx="2" type="sldImg"/>
@@ -1165,7 +1170,7 @@
       </p:sp>
       <p:sp>
         <p:nvSpPr>
-          <p:cNvPr id="169" name="Google Shape;169;g22f9b4bedc7_1_47:notes"/>
+          <p:cNvPr id="170" name="Google Shape;170;g22f9b4bedc7_1_47:notes"/>
           <p:cNvSpPr txBox="1"/>
           <p:nvPr>
             <p:ph idx="1" type="body"/>
@@ -1215,7 +1220,7 @@
   <p:cSld>
     <p:spTree>
       <p:nvGrpSpPr>
-        <p:cNvPr id="174" name="Shape 174"/>
+        <p:cNvPr id="176" name="Shape 176"/>
         <p:cNvGrpSpPr/>
         <p:nvPr/>
       </p:nvGrpSpPr>
@@ -1229,7 +1234,7 @@
       </p:grpSpPr>
       <p:sp>
         <p:nvSpPr>
-          <p:cNvPr id="175" name="Google Shape;175;g22e19b63fc4_0_6:notes"/>
+          <p:cNvPr id="177" name="Google Shape;177;g2397b88d53f_0_12:notes"/>
           <p:cNvSpPr/>
           <p:nvPr>
             <p:ph idx="2" type="sldImg"/>
@@ -1264,7 +1269,502 @@
       </p:sp>
       <p:sp>
         <p:nvSpPr>
-          <p:cNvPr id="176" name="Google Shape;176;g22e19b63fc4_0_6:notes"/>
+          <p:cNvPr id="178" name="Google Shape;178;g2397b88d53f_0_12:notes"/>
+          <p:cNvSpPr txBox="1"/>
+          <p:nvPr>
+            <p:ph idx="1" type="body"/>
+          </p:nvPr>
+        </p:nvSpPr>
+        <p:spPr>
+          <a:xfrm>
+            <a:off x="685800" y="4343400"/>
+            <a:ext cx="5486400" cy="4114800"/>
+          </a:xfrm>
+          <a:prstGeom prst="rect">
+            <a:avLst/>
+          </a:prstGeom>
+        </p:spPr>
+        <p:txBody>
+          <a:bodyPr anchorCtr="0" anchor="t" bIns="91425" lIns="91425" spcFirstLastPara="1" rIns="91425" wrap="square" tIns="91425">
+            <a:noAutofit/>
+          </a:bodyPr>
+          <a:lstStyle/>
+          <a:p>
+            <a:pPr indent="0" lvl="0" marL="0" rtl="0" algn="l">
+              <a:spcBef>
+                <a:spcPts val="0"/>
+              </a:spcBef>
+              <a:spcAft>
+                <a:spcPts val="0"/>
+              </a:spcAft>
+              <a:buNone/>
+            </a:pPr>
+            <a:r>
+              <a:t/>
+            </a:r>
+            <a:endParaRPr/>
+          </a:p>
+        </p:txBody>
+      </p:sp>
+    </p:spTree>
+  </p:cSld>
+  <p:clrMapOvr>
+    <a:masterClrMapping/>
+  </p:clrMapOvr>
+</p:notes>
+</file>
+
+<file path=ppt/notesSlides/notesSlide15.xml><?xml version="1.0" encoding="utf-8"?>
+<p:notes xmlns:a="http://schemas.openxmlformats.org/drawingml/2006/main" xmlns:r="http://schemas.openxmlformats.org/officeDocument/2006/relationships" xmlns:mc="http://schemas.openxmlformats.org/markup-compatibility/2006" xmlns:mv="urn:schemas-microsoft-com:mac:vml" xmlns:p="http://schemas.openxmlformats.org/presentationml/2006/main" xmlns:c="http://schemas.openxmlformats.org/drawingml/2006/chart" xmlns:dgm="http://schemas.openxmlformats.org/drawingml/2006/diagram" xmlns:o="urn:schemas-microsoft-com:office:office" xmlns:v="urn:schemas-microsoft-com:vml" xmlns:pvml="urn:schemas-microsoft-com:office:powerpoint" xmlns:com="http://schemas.openxmlformats.org/drawingml/2006/compatibility" xmlns:p14="http://schemas.microsoft.com/office/powerpoint/2010/main" xmlns:p15="http://schemas.microsoft.com/office/powerpoint/2012/main" xmlns:ahyp="http://schemas.microsoft.com/office/drawing/2018/hyperlinkcolor" showMasterPhAnim="0" showMasterSp="0">
+  <p:cSld>
+    <p:spTree>
+      <p:nvGrpSpPr>
+        <p:cNvPr id="184" name="Shape 184"/>
+        <p:cNvGrpSpPr/>
+        <p:nvPr/>
+      </p:nvGrpSpPr>
+      <p:grpSpPr>
+        <a:xfrm>
+          <a:off x="0" y="0"/>
+          <a:ext cx="0" cy="0"/>
+          <a:chOff x="0" y="0"/>
+          <a:chExt cx="0" cy="0"/>
+        </a:xfrm>
+      </p:grpSpPr>
+      <p:sp>
+        <p:nvSpPr>
+          <p:cNvPr id="185" name="Google Shape;185;g2397b88d53f_0_20:notes"/>
+          <p:cNvSpPr/>
+          <p:nvPr>
+            <p:ph idx="2" type="sldImg"/>
+          </p:nvPr>
+        </p:nvSpPr>
+        <p:spPr>
+          <a:xfrm>
+            <a:off x="1143309" y="685800"/>
+            <a:ext cx="4572000" cy="3429000"/>
+          </a:xfrm>
+          <a:custGeom>
+            <a:rect b="b" l="l" r="r" t="t"/>
+            <a:pathLst>
+              <a:path extrusionOk="0" h="120000" w="120000">
+                <a:moveTo>
+                  <a:pt x="0" y="0"/>
+                </a:moveTo>
+                <a:lnTo>
+                  <a:pt x="120000" y="0"/>
+                </a:lnTo>
+                <a:lnTo>
+                  <a:pt x="120000" y="120000"/>
+                </a:lnTo>
+                <a:lnTo>
+                  <a:pt x="0" y="120000"/>
+                </a:lnTo>
+                <a:close/>
+              </a:path>
+            </a:pathLst>
+          </a:custGeom>
+        </p:spPr>
+      </p:sp>
+      <p:sp>
+        <p:nvSpPr>
+          <p:cNvPr id="186" name="Google Shape;186;g2397b88d53f_0_20:notes"/>
+          <p:cNvSpPr txBox="1"/>
+          <p:nvPr>
+            <p:ph idx="1" type="body"/>
+          </p:nvPr>
+        </p:nvSpPr>
+        <p:spPr>
+          <a:xfrm>
+            <a:off x="685800" y="4343400"/>
+            <a:ext cx="5486400" cy="4114800"/>
+          </a:xfrm>
+          <a:prstGeom prst="rect">
+            <a:avLst/>
+          </a:prstGeom>
+        </p:spPr>
+        <p:txBody>
+          <a:bodyPr anchorCtr="0" anchor="t" bIns="91425" lIns="91425" spcFirstLastPara="1" rIns="91425" wrap="square" tIns="91425">
+            <a:noAutofit/>
+          </a:bodyPr>
+          <a:lstStyle/>
+          <a:p>
+            <a:pPr indent="0" lvl="0" marL="0" rtl="0" algn="l">
+              <a:spcBef>
+                <a:spcPts val="0"/>
+              </a:spcBef>
+              <a:spcAft>
+                <a:spcPts val="0"/>
+              </a:spcAft>
+              <a:buNone/>
+            </a:pPr>
+            <a:r>
+              <a:t/>
+            </a:r>
+            <a:endParaRPr/>
+          </a:p>
+        </p:txBody>
+      </p:sp>
+    </p:spTree>
+  </p:cSld>
+  <p:clrMapOvr>
+    <a:masterClrMapping/>
+  </p:clrMapOvr>
+</p:notes>
+</file>
+
+<file path=ppt/notesSlides/notesSlide16.xml><?xml version="1.0" encoding="utf-8"?>
+<p:notes xmlns:a="http://schemas.openxmlformats.org/drawingml/2006/main" xmlns:r="http://schemas.openxmlformats.org/officeDocument/2006/relationships" xmlns:mc="http://schemas.openxmlformats.org/markup-compatibility/2006" xmlns:mv="urn:schemas-microsoft-com:mac:vml" xmlns:p="http://schemas.openxmlformats.org/presentationml/2006/main" xmlns:c="http://schemas.openxmlformats.org/drawingml/2006/chart" xmlns:dgm="http://schemas.openxmlformats.org/drawingml/2006/diagram" xmlns:o="urn:schemas-microsoft-com:office:office" xmlns:v="urn:schemas-microsoft-com:vml" xmlns:pvml="urn:schemas-microsoft-com:office:powerpoint" xmlns:com="http://schemas.openxmlformats.org/drawingml/2006/compatibility" xmlns:p14="http://schemas.microsoft.com/office/powerpoint/2010/main" xmlns:p15="http://schemas.microsoft.com/office/powerpoint/2012/main" xmlns:ahyp="http://schemas.microsoft.com/office/drawing/2018/hyperlinkcolor" showMasterPhAnim="0" showMasterSp="0">
+  <p:cSld>
+    <p:spTree>
+      <p:nvGrpSpPr>
+        <p:cNvPr id="192" name="Shape 192"/>
+        <p:cNvGrpSpPr/>
+        <p:nvPr/>
+      </p:nvGrpSpPr>
+      <p:grpSpPr>
+        <a:xfrm>
+          <a:off x="0" y="0"/>
+          <a:ext cx="0" cy="0"/>
+          <a:chOff x="0" y="0"/>
+          <a:chExt cx="0" cy="0"/>
+        </a:xfrm>
+      </p:grpSpPr>
+      <p:sp>
+        <p:nvSpPr>
+          <p:cNvPr id="193" name="Google Shape;193;g2397b88d53f_0_27:notes"/>
+          <p:cNvSpPr/>
+          <p:nvPr>
+            <p:ph idx="2" type="sldImg"/>
+          </p:nvPr>
+        </p:nvSpPr>
+        <p:spPr>
+          <a:xfrm>
+            <a:off x="1143309" y="685800"/>
+            <a:ext cx="4572000" cy="3429000"/>
+          </a:xfrm>
+          <a:custGeom>
+            <a:rect b="b" l="l" r="r" t="t"/>
+            <a:pathLst>
+              <a:path extrusionOk="0" h="120000" w="120000">
+                <a:moveTo>
+                  <a:pt x="0" y="0"/>
+                </a:moveTo>
+                <a:lnTo>
+                  <a:pt x="120000" y="0"/>
+                </a:lnTo>
+                <a:lnTo>
+                  <a:pt x="120000" y="120000"/>
+                </a:lnTo>
+                <a:lnTo>
+                  <a:pt x="0" y="120000"/>
+                </a:lnTo>
+                <a:close/>
+              </a:path>
+            </a:pathLst>
+          </a:custGeom>
+        </p:spPr>
+      </p:sp>
+      <p:sp>
+        <p:nvSpPr>
+          <p:cNvPr id="194" name="Google Shape;194;g2397b88d53f_0_27:notes"/>
+          <p:cNvSpPr txBox="1"/>
+          <p:nvPr>
+            <p:ph idx="1" type="body"/>
+          </p:nvPr>
+        </p:nvSpPr>
+        <p:spPr>
+          <a:xfrm>
+            <a:off x="685800" y="4343400"/>
+            <a:ext cx="5486400" cy="4114800"/>
+          </a:xfrm>
+          <a:prstGeom prst="rect">
+            <a:avLst/>
+          </a:prstGeom>
+        </p:spPr>
+        <p:txBody>
+          <a:bodyPr anchorCtr="0" anchor="t" bIns="91425" lIns="91425" spcFirstLastPara="1" rIns="91425" wrap="square" tIns="91425">
+            <a:noAutofit/>
+          </a:bodyPr>
+          <a:lstStyle/>
+          <a:p>
+            <a:pPr indent="0" lvl="0" marL="0" rtl="0" algn="l">
+              <a:spcBef>
+                <a:spcPts val="0"/>
+              </a:spcBef>
+              <a:spcAft>
+                <a:spcPts val="0"/>
+              </a:spcAft>
+              <a:buNone/>
+            </a:pPr>
+            <a:r>
+              <a:t/>
+            </a:r>
+            <a:endParaRPr/>
+          </a:p>
+        </p:txBody>
+      </p:sp>
+    </p:spTree>
+  </p:cSld>
+  <p:clrMapOvr>
+    <a:masterClrMapping/>
+  </p:clrMapOvr>
+</p:notes>
+</file>
+
+<file path=ppt/notesSlides/notesSlide17.xml><?xml version="1.0" encoding="utf-8"?>
+<p:notes xmlns:a="http://schemas.openxmlformats.org/drawingml/2006/main" xmlns:r="http://schemas.openxmlformats.org/officeDocument/2006/relationships" xmlns:mc="http://schemas.openxmlformats.org/markup-compatibility/2006" xmlns:mv="urn:schemas-microsoft-com:mac:vml" xmlns:p="http://schemas.openxmlformats.org/presentationml/2006/main" xmlns:c="http://schemas.openxmlformats.org/drawingml/2006/chart" xmlns:dgm="http://schemas.openxmlformats.org/drawingml/2006/diagram" xmlns:o="urn:schemas-microsoft-com:office:office" xmlns:v="urn:schemas-microsoft-com:vml" xmlns:pvml="urn:schemas-microsoft-com:office:powerpoint" xmlns:com="http://schemas.openxmlformats.org/drawingml/2006/compatibility" xmlns:p14="http://schemas.microsoft.com/office/powerpoint/2010/main" xmlns:p15="http://schemas.microsoft.com/office/powerpoint/2012/main" xmlns:ahyp="http://schemas.microsoft.com/office/drawing/2018/hyperlinkcolor" showMasterPhAnim="0" showMasterSp="0">
+  <p:cSld>
+    <p:spTree>
+      <p:nvGrpSpPr>
+        <p:cNvPr id="199" name="Shape 199"/>
+        <p:cNvGrpSpPr/>
+        <p:nvPr/>
+      </p:nvGrpSpPr>
+      <p:grpSpPr>
+        <a:xfrm>
+          <a:off x="0" y="0"/>
+          <a:ext cx="0" cy="0"/>
+          <a:chOff x="0" y="0"/>
+          <a:chExt cx="0" cy="0"/>
+        </a:xfrm>
+      </p:grpSpPr>
+      <p:sp>
+        <p:nvSpPr>
+          <p:cNvPr id="200" name="Google Shape;200;g2397b88d53f_0_33:notes"/>
+          <p:cNvSpPr/>
+          <p:nvPr>
+            <p:ph idx="2" type="sldImg"/>
+          </p:nvPr>
+        </p:nvSpPr>
+        <p:spPr>
+          <a:xfrm>
+            <a:off x="1143309" y="685800"/>
+            <a:ext cx="4572000" cy="3429000"/>
+          </a:xfrm>
+          <a:custGeom>
+            <a:rect b="b" l="l" r="r" t="t"/>
+            <a:pathLst>
+              <a:path extrusionOk="0" h="120000" w="120000">
+                <a:moveTo>
+                  <a:pt x="0" y="0"/>
+                </a:moveTo>
+                <a:lnTo>
+                  <a:pt x="120000" y="0"/>
+                </a:lnTo>
+                <a:lnTo>
+                  <a:pt x="120000" y="120000"/>
+                </a:lnTo>
+                <a:lnTo>
+                  <a:pt x="0" y="120000"/>
+                </a:lnTo>
+                <a:close/>
+              </a:path>
+            </a:pathLst>
+          </a:custGeom>
+        </p:spPr>
+      </p:sp>
+      <p:sp>
+        <p:nvSpPr>
+          <p:cNvPr id="201" name="Google Shape;201;g2397b88d53f_0_33:notes"/>
+          <p:cNvSpPr txBox="1"/>
+          <p:nvPr>
+            <p:ph idx="1" type="body"/>
+          </p:nvPr>
+        </p:nvSpPr>
+        <p:spPr>
+          <a:xfrm>
+            <a:off x="685800" y="4343400"/>
+            <a:ext cx="5486400" cy="4114800"/>
+          </a:xfrm>
+          <a:prstGeom prst="rect">
+            <a:avLst/>
+          </a:prstGeom>
+        </p:spPr>
+        <p:txBody>
+          <a:bodyPr anchorCtr="0" anchor="t" bIns="91425" lIns="91425" spcFirstLastPara="1" rIns="91425" wrap="square" tIns="91425">
+            <a:noAutofit/>
+          </a:bodyPr>
+          <a:lstStyle/>
+          <a:p>
+            <a:pPr indent="0" lvl="0" marL="0" rtl="0" algn="l">
+              <a:spcBef>
+                <a:spcPts val="0"/>
+              </a:spcBef>
+              <a:spcAft>
+                <a:spcPts val="0"/>
+              </a:spcAft>
+              <a:buNone/>
+            </a:pPr>
+            <a:r>
+              <a:t/>
+            </a:r>
+            <a:endParaRPr/>
+          </a:p>
+        </p:txBody>
+      </p:sp>
+    </p:spTree>
+  </p:cSld>
+  <p:clrMapOvr>
+    <a:masterClrMapping/>
+  </p:clrMapOvr>
+</p:notes>
+</file>
+
+<file path=ppt/notesSlides/notesSlide18.xml><?xml version="1.0" encoding="utf-8"?>
+<p:notes xmlns:a="http://schemas.openxmlformats.org/drawingml/2006/main" xmlns:r="http://schemas.openxmlformats.org/officeDocument/2006/relationships" xmlns:mc="http://schemas.openxmlformats.org/markup-compatibility/2006" xmlns:mv="urn:schemas-microsoft-com:mac:vml" xmlns:p="http://schemas.openxmlformats.org/presentationml/2006/main" xmlns:c="http://schemas.openxmlformats.org/drawingml/2006/chart" xmlns:dgm="http://schemas.openxmlformats.org/drawingml/2006/diagram" xmlns:o="urn:schemas-microsoft-com:office:office" xmlns:v="urn:schemas-microsoft-com:vml" xmlns:pvml="urn:schemas-microsoft-com:office:powerpoint" xmlns:com="http://schemas.openxmlformats.org/drawingml/2006/compatibility" xmlns:p14="http://schemas.microsoft.com/office/powerpoint/2010/main" xmlns:p15="http://schemas.microsoft.com/office/powerpoint/2012/main" xmlns:ahyp="http://schemas.microsoft.com/office/drawing/2018/hyperlinkcolor" showMasterPhAnim="0" showMasterSp="0">
+  <p:cSld>
+    <p:spTree>
+      <p:nvGrpSpPr>
+        <p:cNvPr id="206" name="Shape 206"/>
+        <p:cNvGrpSpPr/>
+        <p:nvPr/>
+      </p:nvGrpSpPr>
+      <p:grpSpPr>
+        <a:xfrm>
+          <a:off x="0" y="0"/>
+          <a:ext cx="0" cy="0"/>
+          <a:chOff x="0" y="0"/>
+          <a:chExt cx="0" cy="0"/>
+        </a:xfrm>
+      </p:grpSpPr>
+      <p:sp>
+        <p:nvSpPr>
+          <p:cNvPr id="207" name="Google Shape;207;g2397b88d53f_0_39:notes"/>
+          <p:cNvSpPr/>
+          <p:nvPr>
+            <p:ph idx="2" type="sldImg"/>
+          </p:nvPr>
+        </p:nvSpPr>
+        <p:spPr>
+          <a:xfrm>
+            <a:off x="1143309" y="685800"/>
+            <a:ext cx="4572000" cy="3429000"/>
+          </a:xfrm>
+          <a:custGeom>
+            <a:rect b="b" l="l" r="r" t="t"/>
+            <a:pathLst>
+              <a:path extrusionOk="0" h="120000" w="120000">
+                <a:moveTo>
+                  <a:pt x="0" y="0"/>
+                </a:moveTo>
+                <a:lnTo>
+                  <a:pt x="120000" y="0"/>
+                </a:lnTo>
+                <a:lnTo>
+                  <a:pt x="120000" y="120000"/>
+                </a:lnTo>
+                <a:lnTo>
+                  <a:pt x="0" y="120000"/>
+                </a:lnTo>
+                <a:close/>
+              </a:path>
+            </a:pathLst>
+          </a:custGeom>
+        </p:spPr>
+      </p:sp>
+      <p:sp>
+        <p:nvSpPr>
+          <p:cNvPr id="208" name="Google Shape;208;g2397b88d53f_0_39:notes"/>
+          <p:cNvSpPr txBox="1"/>
+          <p:nvPr>
+            <p:ph idx="1" type="body"/>
+          </p:nvPr>
+        </p:nvSpPr>
+        <p:spPr>
+          <a:xfrm>
+            <a:off x="685800" y="4343400"/>
+            <a:ext cx="5486400" cy="4114800"/>
+          </a:xfrm>
+          <a:prstGeom prst="rect">
+            <a:avLst/>
+          </a:prstGeom>
+        </p:spPr>
+        <p:txBody>
+          <a:bodyPr anchorCtr="0" anchor="t" bIns="91425" lIns="91425" spcFirstLastPara="1" rIns="91425" wrap="square" tIns="91425">
+            <a:noAutofit/>
+          </a:bodyPr>
+          <a:lstStyle/>
+          <a:p>
+            <a:pPr indent="0" lvl="0" marL="0" rtl="0" algn="l">
+              <a:spcBef>
+                <a:spcPts val="0"/>
+              </a:spcBef>
+              <a:spcAft>
+                <a:spcPts val="0"/>
+              </a:spcAft>
+              <a:buNone/>
+            </a:pPr>
+            <a:r>
+              <a:t/>
+            </a:r>
+            <a:endParaRPr/>
+          </a:p>
+        </p:txBody>
+      </p:sp>
+    </p:spTree>
+  </p:cSld>
+  <p:clrMapOvr>
+    <a:masterClrMapping/>
+  </p:clrMapOvr>
+</p:notes>
+</file>
+
+<file path=ppt/notesSlides/notesSlide19.xml><?xml version="1.0" encoding="utf-8"?>
+<p:notes xmlns:a="http://schemas.openxmlformats.org/drawingml/2006/main" xmlns:r="http://schemas.openxmlformats.org/officeDocument/2006/relationships" xmlns:mc="http://schemas.openxmlformats.org/markup-compatibility/2006" xmlns:mv="urn:schemas-microsoft-com:mac:vml" xmlns:p="http://schemas.openxmlformats.org/presentationml/2006/main" xmlns:c="http://schemas.openxmlformats.org/drawingml/2006/chart" xmlns:dgm="http://schemas.openxmlformats.org/drawingml/2006/diagram" xmlns:o="urn:schemas-microsoft-com:office:office" xmlns:v="urn:schemas-microsoft-com:vml" xmlns:pvml="urn:schemas-microsoft-com:office:powerpoint" xmlns:com="http://schemas.openxmlformats.org/drawingml/2006/compatibility" xmlns:p14="http://schemas.microsoft.com/office/powerpoint/2010/main" xmlns:p15="http://schemas.microsoft.com/office/powerpoint/2012/main" xmlns:ahyp="http://schemas.microsoft.com/office/drawing/2018/hyperlinkcolor" showMasterPhAnim="0" showMasterSp="0">
+  <p:cSld>
+    <p:spTree>
+      <p:nvGrpSpPr>
+        <p:cNvPr id="213" name="Shape 213"/>
+        <p:cNvGrpSpPr/>
+        <p:nvPr/>
+      </p:nvGrpSpPr>
+      <p:grpSpPr>
+        <a:xfrm>
+          <a:off x="0" y="0"/>
+          <a:ext cx="0" cy="0"/>
+          <a:chOff x="0" y="0"/>
+          <a:chExt cx="0" cy="0"/>
+        </a:xfrm>
+      </p:grpSpPr>
+      <p:sp>
+        <p:nvSpPr>
+          <p:cNvPr id="214" name="Google Shape;214;g22e19b63fc4_0_6:notes"/>
+          <p:cNvSpPr/>
+          <p:nvPr>
+            <p:ph idx="2" type="sldImg"/>
+          </p:nvPr>
+        </p:nvSpPr>
+        <p:spPr>
+          <a:xfrm>
+            <a:off x="1143309" y="685800"/>
+            <a:ext cx="4572000" cy="3429000"/>
+          </a:xfrm>
+          <a:custGeom>
+            <a:rect b="b" l="l" r="r" t="t"/>
+            <a:pathLst>
+              <a:path extrusionOk="0" h="120000" w="120000">
+                <a:moveTo>
+                  <a:pt x="0" y="0"/>
+                </a:moveTo>
+                <a:lnTo>
+                  <a:pt x="120000" y="0"/>
+                </a:lnTo>
+                <a:lnTo>
+                  <a:pt x="120000" y="120000"/>
+                </a:lnTo>
+                <a:lnTo>
+                  <a:pt x="0" y="120000"/>
+                </a:lnTo>
+                <a:close/>
+              </a:path>
+            </a:pathLst>
+          </a:custGeom>
+        </p:spPr>
+      </p:sp>
+      <p:sp>
+        <p:nvSpPr>
+          <p:cNvPr id="215" name="Google Shape;215;g22e19b63fc4_0_6:notes"/>
           <p:cNvSpPr txBox="1"/>
           <p:nvPr>
             <p:ph idx="1" type="body"/>
@@ -8263,7 +8763,7 @@
             </a:pPr>
             <a:r>
               <a:rPr lang="en-GB"/>
-              <a:t>Playbook Structure</a:t>
+              <a:t>Kubernetes Configuration</a:t>
             </a:r>
             <a:endParaRPr/>
           </a:p>
@@ -8325,8 +8825,8 @@
         </p:blipFill>
         <p:spPr>
           <a:xfrm>
-            <a:off x="918788" y="1797813"/>
-            <a:ext cx="7306424" cy="3727775"/>
+            <a:off x="1156551" y="1606500"/>
+            <a:ext cx="6911349" cy="4110400"/>
           </a:xfrm>
           <a:prstGeom prst="rect">
             <a:avLst/>
@@ -8396,7 +8896,7 @@
             </a:pPr>
             <a:r>
               <a:rPr lang="en-GB"/>
-              <a:t>Ansible Playbook: Variables</a:t>
+              <a:t>Kubernetes Resources</a:t>
             </a:r>
             <a:endParaRPr/>
           </a:p>
@@ -8425,81 +8925,18 @@
           </a:bodyPr>
           <a:lstStyle/>
           <a:p>
-            <a:pPr indent="-317500" lvl="0" marL="457200" rtl="0" algn="l">
-              <a:spcBef>
-                <a:spcPts val="0"/>
-              </a:spcBef>
-              <a:spcAft>
-                <a:spcPts val="0"/>
-              </a:spcAft>
-              <a:buSzPts val="1400"/>
-              <a:buChar char="●"/>
+            <a:pPr indent="0" lvl="0" marL="0" rtl="0" algn="l">
+              <a:spcBef>
+                <a:spcPts val="0"/>
+              </a:spcBef>
+              <a:spcAft>
+                <a:spcPts val="1200"/>
+              </a:spcAft>
+              <a:buNone/>
             </a:pPr>
             <a:r>
               <a:rPr lang="en-GB" sz="1400"/>
-              <a:t>Variables can be defined and used anywhere in Ansible even in inventory or in an Ad-Hoc Command</a:t>
-            </a:r>
-            <a:endParaRPr sz="1400"/>
-          </a:p>
-          <a:p>
-            <a:pPr indent="0" lvl="0" marL="457200" rtl="0" algn="l">
-              <a:spcBef>
-                <a:spcPts val="1200"/>
-              </a:spcBef>
-              <a:spcAft>
-                <a:spcPts val="0"/>
-              </a:spcAft>
-              <a:buNone/>
-            </a:pPr>
-            <a:r>
-              <a:t/>
-            </a:r>
-            <a:endParaRPr sz="1400"/>
-          </a:p>
-          <a:p>
-            <a:pPr indent="-317500" lvl="0" marL="457200" rtl="0" algn="l">
-              <a:spcBef>
-                <a:spcPts val="1200"/>
-              </a:spcBef>
-              <a:spcAft>
-                <a:spcPts val="0"/>
-              </a:spcAft>
-              <a:buSzPts val="1400"/>
-              <a:buChar char="●"/>
-            </a:pPr>
-            <a:r>
-              <a:rPr lang="en-GB" sz="1400"/>
-              <a:t>Variables extent the functionality of conditionals and loops in Ansible</a:t>
-            </a:r>
-            <a:endParaRPr sz="1400"/>
-          </a:p>
-          <a:p>
-            <a:pPr indent="0" lvl="0" marL="457200" rtl="0" algn="l">
-              <a:spcBef>
-                <a:spcPts val="1200"/>
-              </a:spcBef>
-              <a:spcAft>
-                <a:spcPts val="0"/>
-              </a:spcAft>
-              <a:buNone/>
-            </a:pPr>
-            <a:r>
-              <a:t/>
-            </a:r>
-            <a:endParaRPr sz="1400"/>
-          </a:p>
-          <a:p>
-            <a:pPr indent="0" lvl="0" marL="0" rtl="0" algn="l">
-              <a:spcBef>
-                <a:spcPts val="1200"/>
-              </a:spcBef>
-              <a:spcAft>
-                <a:spcPts val="1200"/>
-              </a:spcAft>
-              <a:buNone/>
-            </a:pPr>
-            <a:r>
-              <a:t/>
+              <a:t>.</a:t>
             </a:r>
             <a:endParaRPr sz="1400"/>
           </a:p>
@@ -8521,8 +8958,8 @@
         </p:blipFill>
         <p:spPr>
           <a:xfrm>
-            <a:off x="1131325" y="2558350"/>
-            <a:ext cx="6881325" cy="3137600"/>
+            <a:off x="1128325" y="1359095"/>
+            <a:ext cx="6967800" cy="4139819"/>
           </a:xfrm>
           <a:prstGeom prst="rect">
             <a:avLst/>
@@ -8592,7 +9029,7 @@
             </a:pPr>
             <a:r>
               <a:rPr lang="en-GB"/>
-              <a:t>Ansible Roles</a:t>
+              <a:t>Hands-on</a:t>
             </a:r>
             <a:endParaRPr/>
           </a:p>
@@ -8626,43 +9063,13 @@
                 <a:spcPts val="0"/>
               </a:spcBef>
               <a:spcAft>
-                <a:spcPts val="0"/>
-              </a:spcAft>
-              <a:buNone/>
-            </a:pPr>
-            <a:r>
-              <a:t/>
-            </a:r>
-            <a:endParaRPr sz="1400"/>
-          </a:p>
-          <a:p>
-            <a:pPr indent="0" lvl="0" marL="0" rtl="0" algn="l">
-              <a:spcBef>
                 <a:spcPts val="1200"/>
-              </a:spcBef>
-              <a:spcAft>
-                <a:spcPts val="0"/>
               </a:spcAft>
               <a:buNone/>
             </a:pPr>
             <a:r>
               <a:rPr lang="en-GB" sz="1400"/>
-              <a:t>Overtime working with Ansible a user may create hundreds of playbooks, variables, templates, defaults etc. Roles allow users to group this logic into an organized manner making reusability and sharing of Ansible structure easier.</a:t>
-            </a:r>
-            <a:endParaRPr sz="1400"/>
-          </a:p>
-          <a:p>
-            <a:pPr indent="0" lvl="0" marL="0" rtl="0" algn="l">
-              <a:spcBef>
-                <a:spcPts val="1200"/>
-              </a:spcBef>
-              <a:spcAft>
-                <a:spcPts val="1200"/>
-              </a:spcAft>
-              <a:buNone/>
-            </a:pPr>
-            <a:r>
-              <a:t/>
+              <a:t>.</a:t>
             </a:r>
             <a:endParaRPr sz="1400"/>
           </a:p>
@@ -8684,8 +9091,36 @@
         </p:blipFill>
         <p:spPr>
           <a:xfrm>
-            <a:off x="1995450" y="2637100"/>
-            <a:ext cx="5189550" cy="3038325"/>
+            <a:off x="4758550" y="2287888"/>
+            <a:ext cx="3337475" cy="2816025"/>
+          </a:xfrm>
+          <a:prstGeom prst="rect">
+            <a:avLst/>
+          </a:prstGeom>
+          <a:noFill/>
+          <a:ln>
+            <a:noFill/>
+          </a:ln>
+        </p:spPr>
+      </p:pic>
+      <p:pic>
+        <p:nvPicPr>
+          <p:cNvPr id="167" name="Google Shape;167;p21"/>
+          <p:cNvPicPr preferRelativeResize="0"/>
+          <p:nvPr/>
+        </p:nvPicPr>
+        <p:blipFill>
+          <a:blip r:embed="rId4">
+            <a:alphaModFix/>
+          </a:blip>
+          <a:stretch>
+            <a:fillRect/>
+          </a:stretch>
+        </p:blipFill>
+        <p:spPr>
+          <a:xfrm>
+            <a:off x="1203550" y="2062548"/>
+            <a:ext cx="2863025" cy="2732900"/>
           </a:xfrm>
           <a:prstGeom prst="rect">
             <a:avLst/>
@@ -8709,7 +9144,7 @@
   <p:cSld>
     <p:spTree>
       <p:nvGrpSpPr>
-        <p:cNvPr id="170" name="Shape 170"/>
+        <p:cNvPr id="171" name="Shape 171"/>
         <p:cNvGrpSpPr/>
         <p:nvPr/>
       </p:nvGrpSpPr>
@@ -8723,7 +9158,7 @@
       </p:grpSpPr>
       <p:sp>
         <p:nvSpPr>
-          <p:cNvPr id="171" name="Google Shape;171;p22"/>
+          <p:cNvPr id="172" name="Google Shape;172;p22"/>
           <p:cNvSpPr txBox="1"/>
           <p:nvPr>
             <p:ph idx="1" type="body"/>
@@ -8744,193 +9179,18 @@
           </a:bodyPr>
           <a:lstStyle/>
           <a:p>
-            <a:pPr indent="0" lvl="0" marL="0" rtl="0" algn="l">
-              <a:spcBef>
-                <a:spcPts val="0"/>
-              </a:spcBef>
-              <a:spcAft>
-                <a:spcPts val="0"/>
-              </a:spcAft>
-              <a:buNone/>
-            </a:pPr>
-            <a:r>
-              <a:t/>
-            </a:r>
-            <a:endParaRPr sz="1200"/>
-          </a:p>
-          <a:p>
             <a:pPr indent="0" lvl="0" marL="457200" rtl="0" algn="l">
               <a:spcBef>
+                <a:spcPts val="0"/>
+              </a:spcBef>
+              <a:spcAft>
                 <a:spcPts val="1200"/>
-              </a:spcBef>
-              <a:spcAft>
-                <a:spcPts val="0"/>
-              </a:spcAft>
-              <a:buNone/>
-            </a:pPr>
-            <a:r>
-              <a:t/>
-            </a:r>
-            <a:endParaRPr sz="1200"/>
-          </a:p>
-          <a:p>
-            <a:pPr indent="-304800" lvl="0" marL="457200" rtl="0" algn="l">
-              <a:spcBef>
-                <a:spcPts val="1200"/>
-              </a:spcBef>
-              <a:spcAft>
-                <a:spcPts val="0"/>
-              </a:spcAft>
-              <a:buSzPts val="1200"/>
-              <a:buChar char="●"/>
+              </a:spcAft>
+              <a:buNone/>
             </a:pPr>
             <a:r>
               <a:rPr lang="en-GB" sz="1200"/>
-              <a:t>Roles uses directories to structure and group all</a:t>
-            </a:r>
-            <a:endParaRPr sz="1200"/>
-          </a:p>
-          <a:p>
-            <a:pPr indent="0" lvl="0" marL="457200" rtl="0" algn="l">
-              <a:spcBef>
-                <a:spcPts val="1200"/>
-              </a:spcBef>
-              <a:spcAft>
-                <a:spcPts val="0"/>
-              </a:spcAft>
-              <a:buNone/>
-            </a:pPr>
-            <a:r>
-              <a:rPr lang="en-GB" sz="1200"/>
-              <a:t> the playbooks, variables, templates, tasks, </a:t>
-            </a:r>
-            <a:endParaRPr sz="1200"/>
-          </a:p>
-          <a:p>
-            <a:pPr indent="0" lvl="0" marL="457200" rtl="0" algn="l">
-              <a:spcBef>
-                <a:spcPts val="1200"/>
-              </a:spcBef>
-              <a:spcAft>
-                <a:spcPts val="0"/>
-              </a:spcAft>
-              <a:buNone/>
-            </a:pPr>
-            <a:r>
-              <a:rPr lang="en-GB" sz="1200"/>
-              <a:t>handlers files, and defaults.</a:t>
-            </a:r>
-            <a:endParaRPr sz="1200"/>
-          </a:p>
-          <a:p>
-            <a:pPr indent="0" lvl="0" marL="457200" rtl="0" algn="l">
-              <a:spcBef>
-                <a:spcPts val="1200"/>
-              </a:spcBef>
-              <a:spcAft>
-                <a:spcPts val="0"/>
-              </a:spcAft>
-              <a:buNone/>
-            </a:pPr>
-            <a:r>
-              <a:t/>
-            </a:r>
-            <a:endParaRPr sz="1200"/>
-          </a:p>
-          <a:p>
-            <a:pPr indent="-304800" lvl="0" marL="457200" rtl="0" algn="l">
-              <a:spcBef>
-                <a:spcPts val="1200"/>
-              </a:spcBef>
-              <a:spcAft>
-                <a:spcPts val="0"/>
-              </a:spcAft>
-              <a:buSzPts val="1200"/>
-              <a:buChar char="●"/>
-            </a:pPr>
-            <a:r>
-              <a:rPr lang="en-GB" sz="1200"/>
-              <a:t>This collected logic can be grouped in any way</a:t>
-            </a:r>
-            <a:endParaRPr sz="1200"/>
-          </a:p>
-          <a:p>
-            <a:pPr indent="0" lvl="0" marL="457200" rtl="0" algn="l">
-              <a:spcBef>
-                <a:spcPts val="1200"/>
-              </a:spcBef>
-              <a:spcAft>
-                <a:spcPts val="0"/>
-              </a:spcAft>
-              <a:buNone/>
-            </a:pPr>
-            <a:r>
-              <a:rPr lang="en-GB" sz="1200"/>
-              <a:t> the user wants, for example you can group</a:t>
-            </a:r>
-            <a:endParaRPr sz="1200"/>
-          </a:p>
-          <a:p>
-            <a:pPr indent="0" lvl="0" marL="457200" rtl="0" algn="l">
-              <a:spcBef>
-                <a:spcPts val="1200"/>
-              </a:spcBef>
-              <a:spcAft>
-                <a:spcPts val="0"/>
-              </a:spcAft>
-              <a:buNone/>
-            </a:pPr>
-            <a:r>
-              <a:rPr lang="en-GB" sz="1200"/>
-              <a:t> server specific roles together</a:t>
-            </a:r>
-            <a:endParaRPr sz="1200"/>
-          </a:p>
-          <a:p>
-            <a:pPr indent="0" lvl="0" marL="457200" rtl="0" algn="l">
-              <a:spcBef>
-                <a:spcPts val="1200"/>
-              </a:spcBef>
-              <a:spcAft>
-                <a:spcPts val="0"/>
-              </a:spcAft>
-              <a:buNone/>
-            </a:pPr>
-            <a:r>
-              <a:t/>
-            </a:r>
-            <a:endParaRPr sz="1200"/>
-          </a:p>
-          <a:p>
-            <a:pPr indent="-304800" lvl="0" marL="457200" rtl="0" algn="l">
-              <a:spcBef>
-                <a:spcPts val="1200"/>
-              </a:spcBef>
-              <a:spcAft>
-                <a:spcPts val="0"/>
-              </a:spcAft>
-              <a:buSzPts val="1200"/>
-              <a:buChar char="●"/>
-            </a:pPr>
-            <a:r>
-              <a:rPr lang="en-GB" sz="1200"/>
-              <a:t>These roles can then be used inside playbooks</a:t>
-            </a:r>
-            <a:endParaRPr sz="1200"/>
-          </a:p>
-          <a:p>
-            <a:pPr indent="0" lvl="0" marL="457200" rtl="0" algn="l">
-              <a:spcBef>
-                <a:spcPts val="1200"/>
-              </a:spcBef>
-              <a:spcAft>
-                <a:spcPts val="1200"/>
-              </a:spcAft>
-              <a:buNone/>
-            </a:pPr>
-            <a:r>
-              <a:rPr lang="en-GB" sz="1200"/>
-              <a:t> and even as in-line commands.</a:t>
+              <a:t>.</a:t>
             </a:r>
             <a:endParaRPr sz="1200"/>
           </a:p>
@@ -8938,7 +9198,7 @@
       </p:sp>
       <p:sp>
         <p:nvSpPr>
-          <p:cNvPr id="172" name="Google Shape;172;p22"/>
+          <p:cNvPr id="173" name="Google Shape;173;p22"/>
           <p:cNvSpPr txBox="1"/>
           <p:nvPr>
             <p:ph type="title"/>
@@ -8970,7 +9230,7 @@
             </a:pPr>
             <a:r>
               <a:rPr lang="en-GB"/>
-              <a:t>Ansible Roles</a:t>
+              <a:t>Hands-on</a:t>
             </a:r>
             <a:endParaRPr/>
           </a:p>
@@ -8978,7 +9238,7 @@
       </p:sp>
       <p:pic>
         <p:nvPicPr>
-          <p:cNvPr id="173" name="Google Shape;173;p22"/>
+          <p:cNvPr id="174" name="Google Shape;174;p22"/>
           <p:cNvPicPr preferRelativeResize="0"/>
           <p:nvPr/>
         </p:nvPicPr>
@@ -8992,8 +9252,36 @@
         </p:blipFill>
         <p:spPr>
           <a:xfrm>
-            <a:off x="4893775" y="1896801"/>
-            <a:ext cx="3095200" cy="3064400"/>
+            <a:off x="4572000" y="1574775"/>
+            <a:ext cx="3938400" cy="4173850"/>
+          </a:xfrm>
+          <a:prstGeom prst="rect">
+            <a:avLst/>
+          </a:prstGeom>
+          <a:noFill/>
+          <a:ln>
+            <a:noFill/>
+          </a:ln>
+        </p:spPr>
+      </p:pic>
+      <p:pic>
+        <p:nvPicPr>
+          <p:cNvPr id="175" name="Google Shape;175;p22"/>
+          <p:cNvPicPr preferRelativeResize="0"/>
+          <p:nvPr/>
+        </p:nvPicPr>
+        <p:blipFill>
+          <a:blip r:embed="rId4">
+            <a:alphaModFix/>
+          </a:blip>
+          <a:stretch>
+            <a:fillRect/>
+          </a:stretch>
+        </p:blipFill>
+        <p:spPr>
+          <a:xfrm>
+            <a:off x="1338422" y="2163650"/>
+            <a:ext cx="2682550" cy="2530700"/>
           </a:xfrm>
           <a:prstGeom prst="rect">
             <a:avLst/>
@@ -9017,7 +9305,728 @@
   <p:cSld>
     <p:spTree>
       <p:nvGrpSpPr>
-        <p:cNvPr id="177" name="Shape 177"/>
+        <p:cNvPr id="179" name="Shape 179"/>
+        <p:cNvGrpSpPr/>
+        <p:nvPr/>
+      </p:nvGrpSpPr>
+      <p:grpSpPr>
+        <a:xfrm>
+          <a:off x="0" y="0"/>
+          <a:ext cx="0" cy="0"/>
+          <a:chOff x="0" y="0"/>
+          <a:chExt cx="0" cy="0"/>
+        </a:xfrm>
+      </p:grpSpPr>
+      <p:sp>
+        <p:nvSpPr>
+          <p:cNvPr id="180" name="Google Shape;180;p23"/>
+          <p:cNvSpPr txBox="1"/>
+          <p:nvPr>
+            <p:ph type="title"/>
+          </p:nvPr>
+        </p:nvSpPr>
+        <p:spPr>
+          <a:xfrm>
+            <a:off x="1128325" y="64950"/>
+            <a:ext cx="6967800" cy="763500"/>
+          </a:xfrm>
+          <a:prstGeom prst="rect">
+            <a:avLst/>
+          </a:prstGeom>
+        </p:spPr>
+        <p:txBody>
+          <a:bodyPr anchorCtr="0" anchor="ctr" bIns="91425" lIns="91425" spcFirstLastPara="1" rIns="91425" wrap="square" tIns="91425">
+            <a:normAutofit/>
+          </a:bodyPr>
+          <a:lstStyle/>
+          <a:p>
+            <a:pPr indent="0" lvl="0" marL="0" rtl="0" algn="ctr">
+              <a:spcBef>
+                <a:spcPts val="0"/>
+              </a:spcBef>
+              <a:spcAft>
+                <a:spcPts val="0"/>
+              </a:spcAft>
+              <a:buNone/>
+            </a:pPr>
+            <a:r>
+              <a:rPr lang="en-GB"/>
+              <a:t>Hands-On</a:t>
+            </a:r>
+            <a:endParaRPr/>
+          </a:p>
+        </p:txBody>
+      </p:sp>
+      <p:sp>
+        <p:nvSpPr>
+          <p:cNvPr id="181" name="Google Shape;181;p23"/>
+          <p:cNvSpPr txBox="1"/>
+          <p:nvPr>
+            <p:ph idx="1" type="body"/>
+          </p:nvPr>
+        </p:nvSpPr>
+        <p:spPr>
+          <a:xfrm>
+            <a:off x="1084425" y="904400"/>
+            <a:ext cx="7011600" cy="5514600"/>
+          </a:xfrm>
+          <a:prstGeom prst="rect">
+            <a:avLst/>
+          </a:prstGeom>
+        </p:spPr>
+        <p:txBody>
+          <a:bodyPr anchorCtr="0" anchor="t" bIns="91425" lIns="91425" spcFirstLastPara="1" rIns="91425" wrap="square" tIns="91425">
+            <a:normAutofit/>
+          </a:bodyPr>
+          <a:lstStyle/>
+          <a:p>
+            <a:pPr indent="0" lvl="0" marL="0" rtl="0" algn="l">
+              <a:spcBef>
+                <a:spcPts val="0"/>
+              </a:spcBef>
+              <a:spcAft>
+                <a:spcPts val="1200"/>
+              </a:spcAft>
+              <a:buNone/>
+            </a:pPr>
+            <a:r>
+              <a:rPr lang="en-GB"/>
+              <a:t>.</a:t>
+            </a:r>
+            <a:endParaRPr/>
+          </a:p>
+        </p:txBody>
+      </p:sp>
+      <p:pic>
+        <p:nvPicPr>
+          <p:cNvPr id="182" name="Google Shape;182;p23"/>
+          <p:cNvPicPr preferRelativeResize="0"/>
+          <p:nvPr/>
+        </p:nvPicPr>
+        <p:blipFill>
+          <a:blip r:embed="rId3">
+            <a:alphaModFix/>
+          </a:blip>
+          <a:stretch>
+            <a:fillRect/>
+          </a:stretch>
+        </p:blipFill>
+        <p:spPr>
+          <a:xfrm>
+            <a:off x="1084425" y="2090513"/>
+            <a:ext cx="2790725" cy="2676975"/>
+          </a:xfrm>
+          <a:prstGeom prst="rect">
+            <a:avLst/>
+          </a:prstGeom>
+          <a:noFill/>
+          <a:ln>
+            <a:noFill/>
+          </a:ln>
+        </p:spPr>
+      </p:pic>
+      <p:pic>
+        <p:nvPicPr>
+          <p:cNvPr id="183" name="Google Shape;183;p23"/>
+          <p:cNvPicPr preferRelativeResize="0"/>
+          <p:nvPr/>
+        </p:nvPicPr>
+        <p:blipFill>
+          <a:blip r:embed="rId4">
+            <a:alphaModFix/>
+          </a:blip>
+          <a:stretch>
+            <a:fillRect/>
+          </a:stretch>
+        </p:blipFill>
+        <p:spPr>
+          <a:xfrm>
+            <a:off x="4476850" y="1435550"/>
+            <a:ext cx="3173575" cy="3977650"/>
+          </a:xfrm>
+          <a:prstGeom prst="rect">
+            <a:avLst/>
+          </a:prstGeom>
+          <a:noFill/>
+          <a:ln>
+            <a:noFill/>
+          </a:ln>
+        </p:spPr>
+      </p:pic>
+    </p:spTree>
+  </p:cSld>
+  <p:clrMapOvr>
+    <a:masterClrMapping/>
+  </p:clrMapOvr>
+</p:sld>
+</file>
+
+<file path=ppt/slides/slide15.xml><?xml version="1.0" encoding="utf-8"?>
+<p:sld xmlns:a="http://schemas.openxmlformats.org/drawingml/2006/main" xmlns:r="http://schemas.openxmlformats.org/officeDocument/2006/relationships" xmlns:mc="http://schemas.openxmlformats.org/markup-compatibility/2006" xmlns:mv="urn:schemas-microsoft-com:mac:vml" xmlns:p="http://schemas.openxmlformats.org/presentationml/2006/main" xmlns:c="http://schemas.openxmlformats.org/drawingml/2006/chart" xmlns:dgm="http://schemas.openxmlformats.org/drawingml/2006/diagram" xmlns:o="urn:schemas-microsoft-com:office:office" xmlns:v="urn:schemas-microsoft-com:vml" xmlns:pvml="urn:schemas-microsoft-com:office:powerpoint" xmlns:com="http://schemas.openxmlformats.org/drawingml/2006/compatibility" xmlns:p14="http://schemas.microsoft.com/office/powerpoint/2010/main" xmlns:p15="http://schemas.microsoft.com/office/powerpoint/2012/main" xmlns:ahyp="http://schemas.microsoft.com/office/drawing/2018/hyperlinkcolor">
+  <p:cSld>
+    <p:spTree>
+      <p:nvGrpSpPr>
+        <p:cNvPr id="187" name="Shape 187"/>
+        <p:cNvGrpSpPr/>
+        <p:nvPr/>
+      </p:nvGrpSpPr>
+      <p:grpSpPr>
+        <a:xfrm>
+          <a:off x="0" y="0"/>
+          <a:ext cx="0" cy="0"/>
+          <a:chOff x="0" y="0"/>
+          <a:chExt cx="0" cy="0"/>
+        </a:xfrm>
+      </p:grpSpPr>
+      <p:sp>
+        <p:nvSpPr>
+          <p:cNvPr id="188" name="Google Shape;188;p24"/>
+          <p:cNvSpPr txBox="1"/>
+          <p:nvPr>
+            <p:ph type="title"/>
+          </p:nvPr>
+        </p:nvSpPr>
+        <p:spPr>
+          <a:xfrm>
+            <a:off x="1128325" y="64950"/>
+            <a:ext cx="6967800" cy="763500"/>
+          </a:xfrm>
+          <a:prstGeom prst="rect">
+            <a:avLst/>
+          </a:prstGeom>
+        </p:spPr>
+        <p:txBody>
+          <a:bodyPr anchorCtr="0" anchor="ctr" bIns="91425" lIns="91425" spcFirstLastPara="1" rIns="91425" wrap="square" tIns="91425">
+            <a:normAutofit/>
+          </a:bodyPr>
+          <a:lstStyle/>
+          <a:p>
+            <a:pPr indent="0" lvl="0" marL="0" rtl="0" algn="ctr">
+              <a:spcBef>
+                <a:spcPts val="0"/>
+              </a:spcBef>
+              <a:spcAft>
+                <a:spcPts val="0"/>
+              </a:spcAft>
+              <a:buNone/>
+            </a:pPr>
+            <a:r>
+              <a:rPr lang="en-GB"/>
+              <a:t>Layer of Abstractions in  Kubernetes</a:t>
+            </a:r>
+            <a:endParaRPr/>
+          </a:p>
+        </p:txBody>
+      </p:sp>
+      <p:sp>
+        <p:nvSpPr>
+          <p:cNvPr id="189" name="Google Shape;189;p24"/>
+          <p:cNvSpPr txBox="1"/>
+          <p:nvPr>
+            <p:ph idx="1" type="body"/>
+          </p:nvPr>
+        </p:nvSpPr>
+        <p:spPr>
+          <a:xfrm>
+            <a:off x="1084425" y="904400"/>
+            <a:ext cx="7011600" cy="5514600"/>
+          </a:xfrm>
+          <a:prstGeom prst="rect">
+            <a:avLst/>
+          </a:prstGeom>
+        </p:spPr>
+        <p:txBody>
+          <a:bodyPr anchorCtr="0" anchor="t" bIns="91425" lIns="91425" spcFirstLastPara="1" rIns="91425" wrap="square" tIns="91425">
+            <a:normAutofit/>
+          </a:bodyPr>
+          <a:lstStyle/>
+          <a:p>
+            <a:pPr indent="0" lvl="0" marL="0" rtl="0" algn="l">
+              <a:spcBef>
+                <a:spcPts val="0"/>
+              </a:spcBef>
+              <a:spcAft>
+                <a:spcPts val="1200"/>
+              </a:spcAft>
+              <a:buNone/>
+            </a:pPr>
+            <a:r>
+              <a:rPr lang="en-GB"/>
+              <a:t>.</a:t>
+            </a:r>
+            <a:endParaRPr/>
+          </a:p>
+        </p:txBody>
+      </p:sp>
+      <p:pic>
+        <p:nvPicPr>
+          <p:cNvPr id="190" name="Google Shape;190;p24"/>
+          <p:cNvPicPr preferRelativeResize="0"/>
+          <p:nvPr/>
+        </p:nvPicPr>
+        <p:blipFill>
+          <a:blip r:embed="rId3">
+            <a:alphaModFix/>
+          </a:blip>
+          <a:stretch>
+            <a:fillRect/>
+          </a:stretch>
+        </p:blipFill>
+        <p:spPr>
+          <a:xfrm>
+            <a:off x="4599350" y="2184392"/>
+            <a:ext cx="3430350" cy="2954608"/>
+          </a:xfrm>
+          <a:prstGeom prst="rect">
+            <a:avLst/>
+          </a:prstGeom>
+          <a:noFill/>
+          <a:ln>
+            <a:noFill/>
+          </a:ln>
+        </p:spPr>
+      </p:pic>
+      <p:pic>
+        <p:nvPicPr>
+          <p:cNvPr id="191" name="Google Shape;191;p24"/>
+          <p:cNvPicPr preferRelativeResize="0"/>
+          <p:nvPr/>
+        </p:nvPicPr>
+        <p:blipFill>
+          <a:blip r:embed="rId4">
+            <a:alphaModFix/>
+          </a:blip>
+          <a:stretch>
+            <a:fillRect/>
+          </a:stretch>
+        </p:blipFill>
+        <p:spPr>
+          <a:xfrm>
+            <a:off x="1238549" y="2163288"/>
+            <a:ext cx="3157672" cy="2996825"/>
+          </a:xfrm>
+          <a:prstGeom prst="rect">
+            <a:avLst/>
+          </a:prstGeom>
+          <a:noFill/>
+          <a:ln>
+            <a:noFill/>
+          </a:ln>
+        </p:spPr>
+      </p:pic>
+    </p:spTree>
+  </p:cSld>
+  <p:clrMapOvr>
+    <a:masterClrMapping/>
+  </p:clrMapOvr>
+</p:sld>
+</file>
+
+<file path=ppt/slides/slide16.xml><?xml version="1.0" encoding="utf-8"?>
+<p:sld xmlns:a="http://schemas.openxmlformats.org/drawingml/2006/main" xmlns:r="http://schemas.openxmlformats.org/officeDocument/2006/relationships" xmlns:mc="http://schemas.openxmlformats.org/markup-compatibility/2006" xmlns:mv="urn:schemas-microsoft-com:mac:vml" xmlns:p="http://schemas.openxmlformats.org/presentationml/2006/main" xmlns:c="http://schemas.openxmlformats.org/drawingml/2006/chart" xmlns:dgm="http://schemas.openxmlformats.org/drawingml/2006/diagram" xmlns:o="urn:schemas-microsoft-com:office:office" xmlns:v="urn:schemas-microsoft-com:vml" xmlns:pvml="urn:schemas-microsoft-com:office:powerpoint" xmlns:com="http://schemas.openxmlformats.org/drawingml/2006/compatibility" xmlns:p14="http://schemas.microsoft.com/office/powerpoint/2010/main" xmlns:p15="http://schemas.microsoft.com/office/powerpoint/2012/main" xmlns:ahyp="http://schemas.microsoft.com/office/drawing/2018/hyperlinkcolor">
+  <p:cSld>
+    <p:spTree>
+      <p:nvGrpSpPr>
+        <p:cNvPr id="195" name="Shape 195"/>
+        <p:cNvGrpSpPr/>
+        <p:nvPr/>
+      </p:nvGrpSpPr>
+      <p:grpSpPr>
+        <a:xfrm>
+          <a:off x="0" y="0"/>
+          <a:ext cx="0" cy="0"/>
+          <a:chOff x="0" y="0"/>
+          <a:chExt cx="0" cy="0"/>
+        </a:xfrm>
+      </p:grpSpPr>
+      <p:sp>
+        <p:nvSpPr>
+          <p:cNvPr id="196" name="Google Shape;196;p25"/>
+          <p:cNvSpPr txBox="1"/>
+          <p:nvPr>
+            <p:ph type="title"/>
+          </p:nvPr>
+        </p:nvSpPr>
+        <p:spPr>
+          <a:xfrm>
+            <a:off x="1128325" y="64950"/>
+            <a:ext cx="6967800" cy="763500"/>
+          </a:xfrm>
+          <a:prstGeom prst="rect">
+            <a:avLst/>
+          </a:prstGeom>
+        </p:spPr>
+        <p:txBody>
+          <a:bodyPr anchorCtr="0" anchor="ctr" bIns="91425" lIns="91425" spcFirstLastPara="1" rIns="91425" wrap="square" tIns="91425">
+            <a:normAutofit/>
+          </a:bodyPr>
+          <a:lstStyle/>
+          <a:p>
+            <a:pPr indent="0" lvl="0" marL="0" rtl="0" algn="ctr">
+              <a:spcBef>
+                <a:spcPts val="0"/>
+              </a:spcBef>
+              <a:spcAft>
+                <a:spcPts val="0"/>
+              </a:spcAft>
+              <a:buNone/>
+            </a:pPr>
+            <a:r>
+              <a:rPr lang="en-GB"/>
+              <a:t>Application Pods</a:t>
+            </a:r>
+            <a:endParaRPr/>
+          </a:p>
+        </p:txBody>
+      </p:sp>
+      <p:sp>
+        <p:nvSpPr>
+          <p:cNvPr id="197" name="Google Shape;197;p25"/>
+          <p:cNvSpPr txBox="1"/>
+          <p:nvPr>
+            <p:ph idx="1" type="body"/>
+          </p:nvPr>
+        </p:nvSpPr>
+        <p:spPr>
+          <a:xfrm>
+            <a:off x="1084425" y="904400"/>
+            <a:ext cx="7011600" cy="5514600"/>
+          </a:xfrm>
+          <a:prstGeom prst="rect">
+            <a:avLst/>
+          </a:prstGeom>
+        </p:spPr>
+        <p:txBody>
+          <a:bodyPr anchorCtr="0" anchor="t" bIns="91425" lIns="91425" spcFirstLastPara="1" rIns="91425" wrap="square" tIns="91425">
+            <a:normAutofit/>
+          </a:bodyPr>
+          <a:lstStyle/>
+          <a:p>
+            <a:pPr indent="0" lvl="0" marL="0" rtl="0" algn="l">
+              <a:spcBef>
+                <a:spcPts val="0"/>
+              </a:spcBef>
+              <a:spcAft>
+                <a:spcPts val="1200"/>
+              </a:spcAft>
+              <a:buNone/>
+            </a:pPr>
+            <a:r>
+              <a:rPr lang="en-GB"/>
+              <a:t>How do  our application pods get exposed to the outside  world?</a:t>
+            </a:r>
+            <a:endParaRPr/>
+          </a:p>
+        </p:txBody>
+      </p:sp>
+      <p:pic>
+        <p:nvPicPr>
+          <p:cNvPr id="198" name="Google Shape;198;p25"/>
+          <p:cNvPicPr preferRelativeResize="0"/>
+          <p:nvPr/>
+        </p:nvPicPr>
+        <p:blipFill>
+          <a:blip r:embed="rId3">
+            <a:alphaModFix/>
+          </a:blip>
+          <a:stretch>
+            <a:fillRect/>
+          </a:stretch>
+        </p:blipFill>
+        <p:spPr>
+          <a:xfrm>
+            <a:off x="2251825" y="1242350"/>
+            <a:ext cx="4676775" cy="4838700"/>
+          </a:xfrm>
+          <a:prstGeom prst="rect">
+            <a:avLst/>
+          </a:prstGeom>
+          <a:noFill/>
+          <a:ln>
+            <a:noFill/>
+          </a:ln>
+        </p:spPr>
+      </p:pic>
+    </p:spTree>
+  </p:cSld>
+  <p:clrMapOvr>
+    <a:masterClrMapping/>
+  </p:clrMapOvr>
+</p:sld>
+</file>
+
+<file path=ppt/slides/slide17.xml><?xml version="1.0" encoding="utf-8"?>
+<p:sld xmlns:a="http://schemas.openxmlformats.org/drawingml/2006/main" xmlns:r="http://schemas.openxmlformats.org/officeDocument/2006/relationships" xmlns:mc="http://schemas.openxmlformats.org/markup-compatibility/2006" xmlns:mv="urn:schemas-microsoft-com:mac:vml" xmlns:p="http://schemas.openxmlformats.org/presentationml/2006/main" xmlns:c="http://schemas.openxmlformats.org/drawingml/2006/chart" xmlns:dgm="http://schemas.openxmlformats.org/drawingml/2006/diagram" xmlns:o="urn:schemas-microsoft-com:office:office" xmlns:v="urn:schemas-microsoft-com:vml" xmlns:pvml="urn:schemas-microsoft-com:office:powerpoint" xmlns:com="http://schemas.openxmlformats.org/drawingml/2006/compatibility" xmlns:p14="http://schemas.microsoft.com/office/powerpoint/2010/main" xmlns:p15="http://schemas.microsoft.com/office/powerpoint/2012/main" xmlns:ahyp="http://schemas.microsoft.com/office/drawing/2018/hyperlinkcolor">
+  <p:cSld>
+    <p:spTree>
+      <p:nvGrpSpPr>
+        <p:cNvPr id="202" name="Shape 202"/>
+        <p:cNvGrpSpPr/>
+        <p:nvPr/>
+      </p:nvGrpSpPr>
+      <p:grpSpPr>
+        <a:xfrm>
+          <a:off x="0" y="0"/>
+          <a:ext cx="0" cy="0"/>
+          <a:chOff x="0" y="0"/>
+          <a:chExt cx="0" cy="0"/>
+        </a:xfrm>
+      </p:grpSpPr>
+      <p:sp>
+        <p:nvSpPr>
+          <p:cNvPr id="203" name="Google Shape;203;p26"/>
+          <p:cNvSpPr txBox="1"/>
+          <p:nvPr>
+            <p:ph type="title"/>
+          </p:nvPr>
+        </p:nvSpPr>
+        <p:spPr>
+          <a:xfrm>
+            <a:off x="1128325" y="64950"/>
+            <a:ext cx="6967800" cy="763500"/>
+          </a:xfrm>
+          <a:prstGeom prst="rect">
+            <a:avLst/>
+          </a:prstGeom>
+        </p:spPr>
+        <p:txBody>
+          <a:bodyPr anchorCtr="0" anchor="ctr" bIns="91425" lIns="91425" spcFirstLastPara="1" rIns="91425" wrap="square" tIns="91425">
+            <a:normAutofit/>
+          </a:bodyPr>
+          <a:lstStyle/>
+          <a:p>
+            <a:pPr indent="0" lvl="0" marL="0" rtl="0" algn="ctr">
+              <a:spcBef>
+                <a:spcPts val="0"/>
+              </a:spcBef>
+              <a:spcAft>
+                <a:spcPts val="0"/>
+              </a:spcAft>
+              <a:buNone/>
+            </a:pPr>
+            <a:r>
+              <a:rPr lang="en-GB"/>
+              <a:t>Application Pods</a:t>
+            </a:r>
+            <a:endParaRPr/>
+          </a:p>
+        </p:txBody>
+      </p:sp>
+      <p:sp>
+        <p:nvSpPr>
+          <p:cNvPr id="204" name="Google Shape;204;p26"/>
+          <p:cNvSpPr txBox="1"/>
+          <p:nvPr>
+            <p:ph idx="1" type="body"/>
+          </p:nvPr>
+        </p:nvSpPr>
+        <p:spPr>
+          <a:xfrm>
+            <a:off x="1084425" y="904400"/>
+            <a:ext cx="7011600" cy="5514600"/>
+          </a:xfrm>
+          <a:prstGeom prst="rect">
+            <a:avLst/>
+          </a:prstGeom>
+        </p:spPr>
+        <p:txBody>
+          <a:bodyPr anchorCtr="0" anchor="t" bIns="91425" lIns="91425" spcFirstLastPara="1" rIns="91425" wrap="square" tIns="91425">
+            <a:normAutofit/>
+          </a:bodyPr>
+          <a:lstStyle/>
+          <a:p>
+            <a:pPr indent="0" lvl="0" marL="0" rtl="0" algn="l">
+              <a:spcBef>
+                <a:spcPts val="0"/>
+              </a:spcBef>
+              <a:spcAft>
+                <a:spcPts val="1200"/>
+              </a:spcAft>
+              <a:buNone/>
+            </a:pPr>
+            <a:r>
+              <a:rPr lang="en-GB"/>
+              <a:t>.</a:t>
+            </a:r>
+            <a:endParaRPr/>
+          </a:p>
+        </p:txBody>
+      </p:sp>
+      <p:pic>
+        <p:nvPicPr>
+          <p:cNvPr id="205" name="Google Shape;205;p26"/>
+          <p:cNvPicPr preferRelativeResize="0"/>
+          <p:nvPr/>
+        </p:nvPicPr>
+        <p:blipFill>
+          <a:blip r:embed="rId3">
+            <a:alphaModFix/>
+          </a:blip>
+          <a:stretch>
+            <a:fillRect/>
+          </a:stretch>
+        </p:blipFill>
+        <p:spPr>
+          <a:xfrm>
+            <a:off x="2011846" y="966675"/>
+            <a:ext cx="5156754" cy="4924650"/>
+          </a:xfrm>
+          <a:prstGeom prst="rect">
+            <a:avLst/>
+          </a:prstGeom>
+          <a:noFill/>
+          <a:ln>
+            <a:noFill/>
+          </a:ln>
+        </p:spPr>
+      </p:pic>
+    </p:spTree>
+  </p:cSld>
+  <p:clrMapOvr>
+    <a:masterClrMapping/>
+  </p:clrMapOvr>
+</p:sld>
+</file>
+
+<file path=ppt/slides/slide18.xml><?xml version="1.0" encoding="utf-8"?>
+<p:sld xmlns:a="http://schemas.openxmlformats.org/drawingml/2006/main" xmlns:r="http://schemas.openxmlformats.org/officeDocument/2006/relationships" xmlns:mc="http://schemas.openxmlformats.org/markup-compatibility/2006" xmlns:mv="urn:schemas-microsoft-com:mac:vml" xmlns:p="http://schemas.openxmlformats.org/presentationml/2006/main" xmlns:c="http://schemas.openxmlformats.org/drawingml/2006/chart" xmlns:dgm="http://schemas.openxmlformats.org/drawingml/2006/diagram" xmlns:o="urn:schemas-microsoft-com:office:office" xmlns:v="urn:schemas-microsoft-com:vml" xmlns:pvml="urn:schemas-microsoft-com:office:powerpoint" xmlns:com="http://schemas.openxmlformats.org/drawingml/2006/compatibility" xmlns:p14="http://schemas.microsoft.com/office/powerpoint/2010/main" xmlns:p15="http://schemas.microsoft.com/office/powerpoint/2012/main" xmlns:ahyp="http://schemas.microsoft.com/office/drawing/2018/hyperlinkcolor">
+  <p:cSld>
+    <p:spTree>
+      <p:nvGrpSpPr>
+        <p:cNvPr id="209" name="Shape 209"/>
+        <p:cNvGrpSpPr/>
+        <p:nvPr/>
+      </p:nvGrpSpPr>
+      <p:grpSpPr>
+        <a:xfrm>
+          <a:off x="0" y="0"/>
+          <a:ext cx="0" cy="0"/>
+          <a:chOff x="0" y="0"/>
+          <a:chExt cx="0" cy="0"/>
+        </a:xfrm>
+      </p:grpSpPr>
+      <p:sp>
+        <p:nvSpPr>
+          <p:cNvPr id="210" name="Google Shape;210;p27"/>
+          <p:cNvSpPr txBox="1"/>
+          <p:nvPr>
+            <p:ph type="title"/>
+          </p:nvPr>
+        </p:nvSpPr>
+        <p:spPr>
+          <a:xfrm>
+            <a:off x="1128325" y="64950"/>
+            <a:ext cx="6967800" cy="763500"/>
+          </a:xfrm>
+          <a:prstGeom prst="rect">
+            <a:avLst/>
+          </a:prstGeom>
+        </p:spPr>
+        <p:txBody>
+          <a:bodyPr anchorCtr="0" anchor="ctr" bIns="91425" lIns="91425" spcFirstLastPara="1" rIns="91425" wrap="square" tIns="91425">
+            <a:normAutofit/>
+          </a:bodyPr>
+          <a:lstStyle/>
+          <a:p>
+            <a:pPr indent="0" lvl="0" marL="0" rtl="0" algn="ctr">
+              <a:spcBef>
+                <a:spcPts val="0"/>
+              </a:spcBef>
+              <a:spcAft>
+                <a:spcPts val="0"/>
+              </a:spcAft>
+              <a:buNone/>
+            </a:pPr>
+            <a:r>
+              <a:rPr lang="en-GB"/>
+              <a:t>Kubernetes cluster</a:t>
+            </a:r>
+            <a:endParaRPr/>
+          </a:p>
+        </p:txBody>
+      </p:sp>
+      <p:sp>
+        <p:nvSpPr>
+          <p:cNvPr id="211" name="Google Shape;211;p27"/>
+          <p:cNvSpPr txBox="1"/>
+          <p:nvPr>
+            <p:ph idx="1" type="body"/>
+          </p:nvPr>
+        </p:nvSpPr>
+        <p:spPr>
+          <a:xfrm>
+            <a:off x="1084425" y="904400"/>
+            <a:ext cx="7011600" cy="5514600"/>
+          </a:xfrm>
+          <a:prstGeom prst="rect">
+            <a:avLst/>
+          </a:prstGeom>
+        </p:spPr>
+        <p:txBody>
+          <a:bodyPr anchorCtr="0" anchor="t" bIns="91425" lIns="91425" spcFirstLastPara="1" rIns="91425" wrap="square" tIns="91425">
+            <a:normAutofit/>
+          </a:bodyPr>
+          <a:lstStyle/>
+          <a:p>
+            <a:pPr indent="0" lvl="0" marL="0" rtl="0" algn="l">
+              <a:spcBef>
+                <a:spcPts val="0"/>
+              </a:spcBef>
+              <a:spcAft>
+                <a:spcPts val="1200"/>
+              </a:spcAft>
+              <a:buNone/>
+            </a:pPr>
+            <a:r>
+              <a:rPr lang="en-GB"/>
+              <a:t>.</a:t>
+            </a:r>
+            <a:endParaRPr/>
+          </a:p>
+        </p:txBody>
+      </p:sp>
+      <p:pic>
+        <p:nvPicPr>
+          <p:cNvPr id="212" name="Google Shape;212;p27"/>
+          <p:cNvPicPr preferRelativeResize="0"/>
+          <p:nvPr/>
+        </p:nvPicPr>
+        <p:blipFill>
+          <a:blip r:embed="rId3">
+            <a:alphaModFix/>
+          </a:blip>
+          <a:stretch>
+            <a:fillRect/>
+          </a:stretch>
+        </p:blipFill>
+        <p:spPr>
+          <a:xfrm>
+            <a:off x="1162850" y="1256062"/>
+            <a:ext cx="6818300" cy="4345865"/>
+          </a:xfrm>
+          <a:prstGeom prst="rect">
+            <a:avLst/>
+          </a:prstGeom>
+          <a:noFill/>
+          <a:ln>
+            <a:noFill/>
+          </a:ln>
+        </p:spPr>
+      </p:pic>
+    </p:spTree>
+  </p:cSld>
+  <p:clrMapOvr>
+    <a:masterClrMapping/>
+  </p:clrMapOvr>
+</p:sld>
+</file>
+
+<file path=ppt/slides/slide19.xml><?xml version="1.0" encoding="utf-8"?>
+<p:sld xmlns:a="http://schemas.openxmlformats.org/drawingml/2006/main" xmlns:r="http://schemas.openxmlformats.org/officeDocument/2006/relationships" xmlns:mc="http://schemas.openxmlformats.org/markup-compatibility/2006" xmlns:mv="urn:schemas-microsoft-com:mac:vml" xmlns:p="http://schemas.openxmlformats.org/presentationml/2006/main" xmlns:c="http://schemas.openxmlformats.org/drawingml/2006/chart" xmlns:dgm="http://schemas.openxmlformats.org/drawingml/2006/diagram" xmlns:o="urn:schemas-microsoft-com:office:office" xmlns:v="urn:schemas-microsoft-com:vml" xmlns:pvml="urn:schemas-microsoft-com:office:powerpoint" xmlns:com="http://schemas.openxmlformats.org/drawingml/2006/compatibility" xmlns:p14="http://schemas.microsoft.com/office/powerpoint/2010/main" xmlns:p15="http://schemas.microsoft.com/office/powerpoint/2012/main" xmlns:ahyp="http://schemas.microsoft.com/office/drawing/2018/hyperlinkcolor">
+  <p:cSld>
+    <p:spTree>
+      <p:nvGrpSpPr>
+        <p:cNvPr id="216" name="Shape 216"/>
         <p:cNvGrpSpPr/>
         <p:nvPr/>
       </p:nvGrpSpPr>
@@ -10807,7 +11816,7 @@
         </p:blipFill>
         <p:spPr>
           <a:xfrm>
-            <a:off x="2357226" y="1571588"/>
+            <a:off x="2357226" y="1680138"/>
             <a:ext cx="6003625" cy="4262275"/>
           </a:xfrm>
           <a:prstGeom prst="rect">
@@ -10863,7 +11872,7 @@
         </p:spPr>
         <p:txBody>
           <a:bodyPr anchorCtr="0" anchor="ctr" bIns="91425" lIns="91425" spcFirstLastPara="1" rIns="91425" wrap="square" tIns="91425">
-            <a:normAutofit/>
+            <a:normAutofit fontScale="90000"/>
           </a:bodyPr>
           <a:lstStyle/>
           <a:p>
@@ -10880,7 +11889,8 @@
               <a:buNone/>
             </a:pPr>
             <a:r>
-              <a:t/>
+              <a:rPr lang="en-GB"/>
+              <a:t>Kubernetes Architecture - Master Node Components</a:t>
             </a:r>
             <a:endParaRPr/>
           </a:p>
@@ -10909,18 +11919,121 @@
           </a:bodyPr>
           <a:lstStyle/>
           <a:p>
-            <a:pPr indent="0" lvl="0" marL="0" rtl="0" algn="l">
-              <a:spcBef>
-                <a:spcPts val="0"/>
-              </a:spcBef>
-              <a:spcAft>
+            <a:pPr indent="0" lvl="0" marL="457200" rtl="0" algn="l">
+              <a:spcBef>
+                <a:spcPts val="0"/>
+              </a:spcBef>
+              <a:spcAft>
+                <a:spcPts val="0"/>
+              </a:spcAft>
+              <a:buNone/>
+            </a:pPr>
+            <a:r>
+              <a:t/>
+            </a:r>
+            <a:endParaRPr sz="1300"/>
+          </a:p>
+          <a:p>
+            <a:pPr indent="-311150" lvl="0" marL="457200" rtl="0" algn="l">
+              <a:spcBef>
                 <a:spcPts val="1200"/>
-              </a:spcAft>
-              <a:buNone/>
+              </a:spcBef>
+              <a:spcAft>
+                <a:spcPts val="0"/>
+              </a:spcAft>
+              <a:buSzPts val="1300"/>
+              <a:buChar char="●"/>
             </a:pPr>
             <a:r>
               <a:rPr lang="en-GB" sz="1300"/>
-              <a:t>.</a:t>
+              <a:t>A  Master node  has the  following components :</a:t>
+            </a:r>
+            <a:endParaRPr sz="1300"/>
+          </a:p>
+          <a:p>
+            <a:pPr indent="-311150" lvl="2" marL="1371600" rtl="0" algn="l">
+              <a:spcBef>
+                <a:spcPts val="0"/>
+              </a:spcBef>
+              <a:spcAft>
+                <a:spcPts val="0"/>
+              </a:spcAft>
+              <a:buSzPts val="1300"/>
+              <a:buChar char="■"/>
+            </a:pPr>
+            <a:r>
+              <a:rPr lang="en-GB" sz="1300"/>
+              <a:t>API server</a:t>
+            </a:r>
+            <a:endParaRPr sz="1300"/>
+          </a:p>
+          <a:p>
+            <a:pPr indent="-311150" lvl="2" marL="1371600" rtl="0" algn="l">
+              <a:spcBef>
+                <a:spcPts val="0"/>
+              </a:spcBef>
+              <a:spcAft>
+                <a:spcPts val="0"/>
+              </a:spcAft>
+              <a:buSzPts val="1300"/>
+              <a:buChar char="■"/>
+            </a:pPr>
+            <a:r>
+              <a:rPr lang="en-GB" sz="1300"/>
+              <a:t>Scheduler</a:t>
+            </a:r>
+            <a:endParaRPr sz="1300"/>
+          </a:p>
+          <a:p>
+            <a:pPr indent="-311150" lvl="2" marL="1371600" rtl="0" algn="l">
+              <a:spcBef>
+                <a:spcPts val="0"/>
+              </a:spcBef>
+              <a:spcAft>
+                <a:spcPts val="0"/>
+              </a:spcAft>
+              <a:buSzPts val="1300"/>
+              <a:buChar char="■"/>
+            </a:pPr>
+            <a:r>
+              <a:rPr lang="en-GB" sz="1300"/>
+              <a:t>Controller  </a:t>
+            </a:r>
+            <a:r>
+              <a:rPr lang="en-GB" sz="1300"/>
+              <a:t>manager</a:t>
+            </a:r>
+            <a:endParaRPr sz="1300"/>
+          </a:p>
+          <a:p>
+            <a:pPr indent="-311150" lvl="2" marL="1371600" rtl="0" algn="l">
+              <a:spcBef>
+                <a:spcPts val="0"/>
+              </a:spcBef>
+              <a:spcAft>
+                <a:spcPts val="0"/>
+              </a:spcAft>
+              <a:buSzPts val="1300"/>
+              <a:buChar char="■"/>
+            </a:pPr>
+            <a:r>
+              <a:rPr lang="en-GB" sz="1300"/>
+              <a:t>Etcd.</a:t>
+            </a:r>
+            <a:endParaRPr sz="1300"/>
+          </a:p>
+          <a:p>
+            <a:pPr indent="0" lvl="0" marL="0" rtl="0" algn="l">
+              <a:spcBef>
+                <a:spcPts val="1200"/>
+              </a:spcBef>
+              <a:spcAft>
+                <a:spcPts val="1200"/>
+              </a:spcAft>
+              <a:buNone/>
+            </a:pPr>
+            <a:r>
+              <a:t/>
             </a:r>
             <a:endParaRPr sz="1300"/>
           </a:p>
@@ -10942,8 +12055,8 @@
         </p:blipFill>
         <p:spPr>
           <a:xfrm>
-            <a:off x="1329913" y="904400"/>
-            <a:ext cx="6484175" cy="5592300"/>
+            <a:off x="4212875" y="1771925"/>
+            <a:ext cx="3622300" cy="4098100"/>
           </a:xfrm>
           <a:prstGeom prst="rect">
             <a:avLst/>
@@ -11013,7 +12126,7 @@
             </a:pPr>
             <a:r>
               <a:rPr lang="en-GB"/>
-              <a:t>What exactly is a playbook ?</a:t>
+              <a:t>Worker Node</a:t>
             </a:r>
             <a:endParaRPr/>
           </a:p>
@@ -11042,161 +12155,18 @@
           </a:bodyPr>
           <a:lstStyle/>
           <a:p>
-            <a:pPr indent="0" lvl="0" marL="457200" rtl="0" algn="l">
-              <a:spcBef>
-                <a:spcPts val="0"/>
-              </a:spcBef>
-              <a:spcAft>
-                <a:spcPts val="0"/>
-              </a:spcAft>
-              <a:buNone/>
-            </a:pPr>
-            <a:r>
-              <a:t/>
-            </a:r>
-            <a:endParaRPr sz="1300"/>
-          </a:p>
-          <a:p>
-            <a:pPr indent="-311150" lvl="0" marL="457200" rtl="0" algn="l">
-              <a:spcBef>
+            <a:pPr indent="0" lvl="0" marL="0" rtl="0" algn="l">
+              <a:spcBef>
+                <a:spcPts val="0"/>
+              </a:spcBef>
+              <a:spcAft>
                 <a:spcPts val="1200"/>
-              </a:spcBef>
-              <a:spcAft>
-                <a:spcPts val="0"/>
-              </a:spcAft>
-              <a:buSzPts val="1300"/>
-              <a:buChar char="●"/>
+              </a:spcAft>
+              <a:buNone/>
             </a:pPr>
             <a:r>
               <a:rPr lang="en-GB" sz="1300"/>
-              <a:t>Playbooks</a:t>
-            </a:r>
-            <a:r>
-              <a:rPr lang="en-GB" sz="1300"/>
-              <a:t> are the access point to Ansible </a:t>
-            </a:r>
-            <a:r>
-              <a:rPr lang="en-GB" sz="1300"/>
-              <a:t>provisioning.</a:t>
-            </a:r>
-            <a:endParaRPr sz="1300"/>
-          </a:p>
-          <a:p>
-            <a:pPr indent="-311150" lvl="0" marL="457200" rtl="0" algn="l">
-              <a:spcBef>
-                <a:spcPts val="0"/>
-              </a:spcBef>
-              <a:spcAft>
-                <a:spcPts val="0"/>
-              </a:spcAft>
-              <a:buSzPts val="1300"/>
-              <a:buChar char="●"/>
-            </a:pPr>
-            <a:r>
-              <a:rPr lang="en-GB" sz="1300"/>
-              <a:t>It’s the Ansible’s way of deploying and configuring different remote servers and environments</a:t>
-            </a:r>
-            <a:endParaRPr sz="1300"/>
-          </a:p>
-          <a:p>
-            <a:pPr indent="-311150" lvl="0" marL="457200" rtl="0" algn="l">
-              <a:spcBef>
-                <a:spcPts val="0"/>
-              </a:spcBef>
-              <a:spcAft>
-                <a:spcPts val="0"/>
-              </a:spcAft>
-              <a:buSzPts val="1300"/>
-              <a:buChar char="●"/>
-            </a:pPr>
-            <a:r>
-              <a:rPr lang="en-GB" sz="1300"/>
-              <a:t>It is written in YAML(Yet another Mark-up Language)</a:t>
-            </a:r>
-            <a:endParaRPr sz="1300"/>
-          </a:p>
-          <a:p>
-            <a:pPr indent="-311150" lvl="0" marL="457200" rtl="0" algn="l">
-              <a:spcBef>
-                <a:spcPts val="0"/>
-              </a:spcBef>
-              <a:spcAft>
-                <a:spcPts val="0"/>
-              </a:spcAft>
-              <a:buSzPts val="1300"/>
-              <a:buChar char="●"/>
-            </a:pPr>
-            <a:r>
-              <a:rPr lang="en-GB" sz="1300"/>
-              <a:t>On an advanced level playbooks can be used to</a:t>
-            </a:r>
-            <a:endParaRPr sz="1300"/>
-          </a:p>
-          <a:p>
-            <a:pPr indent="-311150" lvl="1" marL="914400" rtl="0" algn="l">
-              <a:spcBef>
-                <a:spcPts val="0"/>
-              </a:spcBef>
-              <a:spcAft>
-                <a:spcPts val="0"/>
-              </a:spcAft>
-              <a:buSzPts val="1300"/>
-              <a:buChar char="○"/>
-            </a:pPr>
-            <a:r>
-              <a:rPr lang="en-GB" sz="1300"/>
-              <a:t>Handle multi-tier rollouts</a:t>
-            </a:r>
-            <a:endParaRPr sz="1300"/>
-          </a:p>
-          <a:p>
-            <a:pPr indent="-311150" lvl="1" marL="914400" rtl="0" algn="l">
-              <a:spcBef>
-                <a:spcPts val="0"/>
-              </a:spcBef>
-              <a:spcAft>
-                <a:spcPts val="0"/>
-              </a:spcAft>
-              <a:buSzPts val="1300"/>
-              <a:buChar char="○"/>
-            </a:pPr>
-            <a:r>
-              <a:rPr lang="en-GB" sz="1300"/>
-              <a:t>Load balancing tasks for the server</a:t>
-            </a:r>
-            <a:r>
-              <a:rPr lang="en-GB" sz="1300"/>
               <a:t>.</a:t>
-            </a:r>
-            <a:endParaRPr sz="1300"/>
-          </a:p>
-          <a:p>
-            <a:pPr indent="0" lvl="0" marL="914400" rtl="0" algn="l">
-              <a:spcBef>
-                <a:spcPts val="1200"/>
-              </a:spcBef>
-              <a:spcAft>
-                <a:spcPts val="0"/>
-              </a:spcAft>
-              <a:buNone/>
-            </a:pPr>
-            <a:r>
-              <a:t/>
-            </a:r>
-            <a:endParaRPr sz="1300"/>
-          </a:p>
-          <a:p>
-            <a:pPr indent="0" lvl="0" marL="0" rtl="0" algn="l">
-              <a:spcBef>
-                <a:spcPts val="1200"/>
-              </a:spcBef>
-              <a:spcAft>
-                <a:spcPts val="1200"/>
-              </a:spcAft>
-              <a:buNone/>
-            </a:pPr>
-            <a:r>
-              <a:t/>
             </a:r>
             <a:endParaRPr sz="1300"/>
           </a:p>
@@ -11218,8 +12188,8 @@
         </p:blipFill>
         <p:spPr>
           <a:xfrm>
-            <a:off x="1767638" y="3230725"/>
-            <a:ext cx="5645175" cy="2357325"/>
+            <a:off x="1519225" y="1014400"/>
+            <a:ext cx="6105525" cy="4829175"/>
           </a:xfrm>
           <a:prstGeom prst="rect">
             <a:avLst/>
@@ -11239,6 +12209,285 @@
 </file>
 
 <file path=ppt/theme/theme1.xml><?xml version="1.0" encoding="utf-8"?>
+<a:theme xmlns:a="http://schemas.openxmlformats.org/drawingml/2006/main" xmlns:r="http://schemas.openxmlformats.org/officeDocument/2006/relationships">
+  <a:themeElements>
+    <a:clrScheme name="Default">
+      <a:dk1>
+        <a:srgbClr val="000000"/>
+      </a:dk1>
+      <a:lt1>
+        <a:srgbClr val="FFFFFF"/>
+      </a:lt1>
+      <a:dk2>
+        <a:srgbClr val="158158"/>
+      </a:dk2>
+      <a:lt2>
+        <a:srgbClr val="F3F3F3"/>
+      </a:lt2>
+      <a:accent1>
+        <a:srgbClr val="058DC7"/>
+      </a:accent1>
+      <a:accent2>
+        <a:srgbClr val="50B432"/>
+      </a:accent2>
+      <a:accent3>
+        <a:srgbClr val="ED561B"/>
+      </a:accent3>
+      <a:accent4>
+        <a:srgbClr val="EDEF00"/>
+      </a:accent4>
+      <a:accent5>
+        <a:srgbClr val="24CBE5"/>
+      </a:accent5>
+      <a:accent6>
+        <a:srgbClr val="64E572"/>
+      </a:accent6>
+      <a:hlink>
+        <a:srgbClr val="2200CC"/>
+      </a:hlink>
+      <a:folHlink>
+        <a:srgbClr val="551A8B"/>
+      </a:folHlink>
+    </a:clrScheme>
+    <a:fontScheme name="Office">
+      <a:majorFont>
+        <a:latin typeface="Arial"/>
+        <a:ea typeface=""/>
+        <a:cs typeface=""/>
+        <a:font script="Jpan" typeface="ＭＳ Ｐゴシック"/>
+        <a:font script="Hang" typeface="맑은 고딕"/>
+        <a:font script="Hans" typeface="宋体"/>
+        <a:font script="Hant" typeface="新細明體"/>
+        <a:font script="Arab" typeface="Times New Roman"/>
+        <a:font script="Hebr" typeface="Times New Roman"/>
+        <a:font script="Thai" typeface="Angsana New"/>
+        <a:font script="Ethi" typeface="Nyala"/>
+        <a:font script="Beng" typeface="Vrinda"/>
+        <a:font script="Gujr" typeface="Shruti"/>
+        <a:font script="Khmr" typeface="MoolBoran"/>
+        <a:font script="Knda" typeface="Tunga"/>
+        <a:font script="Guru" typeface="Raavi"/>
+        <a:font script="Cans" typeface="Euphemia"/>
+        <a:font script="Cher" typeface="Plantagenet Cherokee"/>
+        <a:font script="Yiii" typeface="Microsoft Yi Baiti"/>
+        <a:font script="Tibt" typeface="Microsoft Himalaya"/>
+        <a:font script="Thaa" typeface="MV Boli"/>
+        <a:font script="Deva" typeface="Mangal"/>
+        <a:font script="Telu" typeface="Gautami"/>
+        <a:font script="Taml" typeface="Latha"/>
+        <a:font script="Syrc" typeface="Estrangelo Edessa"/>
+        <a:font script="Orya" typeface="Kalinga"/>
+        <a:font script="Mlym" typeface="Kartika"/>
+        <a:font script="Laoo" typeface="DokChampa"/>
+        <a:font script="Sinh" typeface="Iskoola Pota"/>
+        <a:font script="Mong" typeface="Mongolian Baiti"/>
+        <a:font script="Viet" typeface="Times New Roman"/>
+        <a:font script="Uigh" typeface="Microsoft Uighur"/>
+        <a:font script="Geor" typeface="Sylfaen"/>
+      </a:majorFont>
+      <a:minorFont>
+        <a:latin typeface="Arial"/>
+        <a:ea typeface=""/>
+        <a:cs typeface=""/>
+        <a:font script="Jpan" typeface="ＭＳ Ｐゴシック"/>
+        <a:font script="Hang" typeface="맑은 고딕"/>
+        <a:font script="Hans" typeface="宋体"/>
+        <a:font script="Hant" typeface="新細明體"/>
+        <a:font script="Arab" typeface="Arial"/>
+        <a:font script="Hebr" typeface="Arial"/>
+        <a:font script="Thai" typeface="Cordia New"/>
+        <a:font script="Ethi" typeface="Nyala"/>
+        <a:font script="Beng" typeface="Vrinda"/>
+        <a:font script="Gujr" typeface="Shruti"/>
+        <a:font script="Khmr" typeface="DaunPenh"/>
+        <a:font script="Knda" typeface="Tunga"/>
+        <a:font script="Guru" typeface="Raavi"/>
+        <a:font script="Cans" typeface="Euphemia"/>
+        <a:font script="Cher" typeface="Plantagenet Cherokee"/>
+        <a:font script="Yiii" typeface="Microsoft Yi Baiti"/>
+        <a:font script="Tibt" typeface="Microsoft Himalaya"/>
+        <a:font script="Thaa" typeface="MV Boli"/>
+        <a:font script="Deva" typeface="Mangal"/>
+        <a:font script="Telu" typeface="Gautami"/>
+        <a:font script="Taml" typeface="Latha"/>
+        <a:font script="Syrc" typeface="Estrangelo Edessa"/>
+        <a:font script="Orya" typeface="Kalinga"/>
+        <a:font script="Mlym" typeface="Kartika"/>
+        <a:font script="Laoo" typeface="DokChampa"/>
+        <a:font script="Sinh" typeface="Iskoola Pota"/>
+        <a:font script="Mong" typeface="Mongolian Baiti"/>
+        <a:font script="Viet" typeface="Arial"/>
+        <a:font script="Uigh" typeface="Microsoft Uighur"/>
+        <a:font script="Geor" typeface="Sylfaen"/>
+      </a:minorFont>
+    </a:fontScheme>
+    <a:fmtScheme name="Office">
+      <a:fillStyleLst>
+        <a:solidFill>
+          <a:schemeClr val="phClr"/>
+        </a:solidFill>
+        <a:gradFill rotWithShape="1">
+          <a:gsLst>
+            <a:gs pos="0">
+              <a:schemeClr val="phClr">
+                <a:tint val="50000"/>
+                <a:satMod val="300000"/>
+              </a:schemeClr>
+            </a:gs>
+            <a:gs pos="35000">
+              <a:schemeClr val="phClr">
+                <a:tint val="37000"/>
+                <a:satMod val="300000"/>
+              </a:schemeClr>
+            </a:gs>
+            <a:gs pos="100000">
+              <a:schemeClr val="phClr">
+                <a:tint val="15000"/>
+                <a:satMod val="350000"/>
+              </a:schemeClr>
+            </a:gs>
+          </a:gsLst>
+          <a:lin ang="16200000" scaled="1"/>
+        </a:gradFill>
+        <a:gradFill rotWithShape="1">
+          <a:gsLst>
+            <a:gs pos="0">
+              <a:schemeClr val="phClr">
+                <a:tint val="100000"/>
+                <a:shade val="100000"/>
+                <a:satMod val="130000"/>
+              </a:schemeClr>
+            </a:gs>
+            <a:gs pos="100000">
+              <a:schemeClr val="phClr">
+                <a:tint val="50000"/>
+                <a:shade val="100000"/>
+                <a:satMod val="350000"/>
+              </a:schemeClr>
+            </a:gs>
+          </a:gsLst>
+          <a:lin ang="16200000" scaled="0"/>
+        </a:gradFill>
+      </a:fillStyleLst>
+      <a:lnStyleLst>
+        <a:ln w="9525" cap="flat" cmpd="sng" algn="ctr">
+          <a:solidFill>
+            <a:schemeClr val="phClr">
+              <a:shade val="95000"/>
+              <a:satMod val="105000"/>
+            </a:schemeClr>
+          </a:solidFill>
+          <a:prstDash val="solid"/>
+        </a:ln>
+        <a:ln w="25400" cap="flat" cmpd="sng" algn="ctr">
+          <a:solidFill>
+            <a:schemeClr val="phClr"/>
+          </a:solidFill>
+          <a:prstDash val="solid"/>
+        </a:ln>
+        <a:ln w="38100" cap="flat" cmpd="sng" algn="ctr">
+          <a:solidFill>
+            <a:schemeClr val="phClr"/>
+          </a:solidFill>
+          <a:prstDash val="solid"/>
+        </a:ln>
+      </a:lnStyleLst>
+      <a:effectStyleLst>
+        <a:effectStyle>
+          <a:effectLst>
+            <a:outerShdw blurRad="40000" dist="20000" dir="5400000" rotWithShape="0">
+              <a:srgbClr val="000000">
+                <a:alpha val="38000"/>
+              </a:srgbClr>
+            </a:outerShdw>
+          </a:effectLst>
+        </a:effectStyle>
+        <a:effectStyle>
+          <a:effectLst>
+            <a:outerShdw blurRad="40000" dist="23000" dir="5400000" rotWithShape="0">
+              <a:srgbClr val="000000">
+                <a:alpha val="35000"/>
+              </a:srgbClr>
+            </a:outerShdw>
+          </a:effectLst>
+        </a:effectStyle>
+        <a:effectStyle>
+          <a:effectLst>
+            <a:outerShdw blurRad="40000" dist="23000" dir="5400000" rotWithShape="0">
+              <a:srgbClr val="000000">
+                <a:alpha val="35000"/>
+              </a:srgbClr>
+            </a:outerShdw>
+          </a:effectLst>
+          <a:scene3d>
+            <a:camera prst="orthographicFront">
+              <a:rot lat="0" lon="0" rev="0"/>
+            </a:camera>
+            <a:lightRig rig="threePt" dir="t">
+              <a:rot lat="0" lon="0" rev="1200000"/>
+            </a:lightRig>
+          </a:scene3d>
+          <a:sp3d>
+            <a:bevelT w="63500" h="25400"/>
+          </a:sp3d>
+        </a:effectStyle>
+      </a:effectStyleLst>
+      <a:bgFillStyleLst>
+        <a:solidFill>
+          <a:schemeClr val="phClr"/>
+        </a:solidFill>
+        <a:gradFill rotWithShape="1">
+          <a:gsLst>
+            <a:gs pos="0">
+              <a:schemeClr val="phClr">
+                <a:tint val="40000"/>
+                <a:satMod val="350000"/>
+              </a:schemeClr>
+            </a:gs>
+            <a:gs pos="40000">
+              <a:schemeClr val="phClr">
+                <a:tint val="45000"/>
+                <a:shade val="99000"/>
+                <a:satMod val="350000"/>
+              </a:schemeClr>
+            </a:gs>
+            <a:gs pos="100000">
+              <a:schemeClr val="phClr">
+                <a:shade val="20000"/>
+                <a:satMod val="255000"/>
+              </a:schemeClr>
+            </a:gs>
+          </a:gsLst>
+          <a:path path="circle">
+            <a:fillToRect l="50000" t="-80000" r="50000" b="180000"/>
+          </a:path>
+        </a:gradFill>
+        <a:gradFill rotWithShape="1">
+          <a:gsLst>
+            <a:gs pos="0">
+              <a:schemeClr val="phClr">
+                <a:tint val="80000"/>
+                <a:satMod val="300000"/>
+              </a:schemeClr>
+            </a:gs>
+            <a:gs pos="100000">
+              <a:schemeClr val="phClr">
+                <a:shade val="30000"/>
+                <a:satMod val="200000"/>
+              </a:schemeClr>
+            </a:gs>
+          </a:gsLst>
+          <a:path path="circle">
+            <a:fillToRect l="50000" t="50000" r="50000" b="50000"/>
+          </a:path>
+        </a:gradFill>
+      </a:bgFillStyleLst>
+    </a:fmtScheme>
+  </a:themeElements>
+</a:theme>
+</file>
+
+<file path=ppt/theme/theme2.xml><?xml version="1.0" encoding="utf-8"?>
 <a:theme xmlns:a="http://schemas.openxmlformats.org/drawingml/2006/main" xmlns:r="http://schemas.openxmlformats.org/officeDocument/2006/relationships" name="Simple Light">
   <a:themeElements>
     <a:clrScheme name="Simple Light">
@@ -11515,283 +12764,4 @@
     </a:fmtScheme>
   </a:themeElements>
 </a:theme>
-</file>
-
-<file path=ppt/theme/theme2.xml><?xml version="1.0" encoding="utf-8"?>
-<a:theme xmlns:a="http://schemas.openxmlformats.org/drawingml/2006/main" xmlns:r="http://schemas.openxmlformats.org/officeDocument/2006/relationships">
-  <a:themeElements>
-    <a:clrScheme name="Default">
-      <a:dk1>
-        <a:srgbClr val="000000"/>
-      </a:dk1>
-      <a:lt1>
-        <a:srgbClr val="FFFFFF"/>
-      </a:lt1>
-      <a:dk2>
-        <a:srgbClr val="158158"/>
-      </a:dk2>
-      <a:lt2>
-        <a:srgbClr val="F3F3F3"/>
-      </a:lt2>
-      <a:accent1>
-        <a:srgbClr val="058DC7"/>
-      </a:accent1>
-      <a:accent2>
-        <a:srgbClr val="50B432"/>
-      </a:accent2>
-      <a:accent3>
-        <a:srgbClr val="ED561B"/>
-      </a:accent3>
-      <a:accent4>
-        <a:srgbClr val="EDEF00"/>
-      </a:accent4>
-      <a:accent5>
-        <a:srgbClr val="24CBE5"/>
-      </a:accent5>
-      <a:accent6>
-        <a:srgbClr val="64E572"/>
-      </a:accent6>
-      <a:hlink>
-        <a:srgbClr val="2200CC"/>
-      </a:hlink>
-      <a:folHlink>
-        <a:srgbClr val="551A8B"/>
-      </a:folHlink>
-    </a:clrScheme>
-    <a:fontScheme name="Office">
-      <a:majorFont>
-        <a:latin typeface="Arial"/>
-        <a:ea typeface=""/>
-        <a:cs typeface=""/>
-        <a:font script="Jpan" typeface="ＭＳ Ｐゴシック"/>
-        <a:font script="Hang" typeface="맑은 고딕"/>
-        <a:font script="Hans" typeface="宋体"/>
-        <a:font script="Hant" typeface="新細明體"/>
-        <a:font script="Arab" typeface="Times New Roman"/>
-        <a:font script="Hebr" typeface="Times New Roman"/>
-        <a:font script="Thai" typeface="Angsana New"/>
-        <a:font script="Ethi" typeface="Nyala"/>
-        <a:font script="Beng" typeface="Vrinda"/>
-        <a:font script="Gujr" typeface="Shruti"/>
-        <a:font script="Khmr" typeface="MoolBoran"/>
-        <a:font script="Knda" typeface="Tunga"/>
-        <a:font script="Guru" typeface="Raavi"/>
-        <a:font script="Cans" typeface="Euphemia"/>
-        <a:font script="Cher" typeface="Plantagenet Cherokee"/>
-        <a:font script="Yiii" typeface="Microsoft Yi Baiti"/>
-        <a:font script="Tibt" typeface="Microsoft Himalaya"/>
-        <a:font script="Thaa" typeface="MV Boli"/>
-        <a:font script="Deva" typeface="Mangal"/>
-        <a:font script="Telu" typeface="Gautami"/>
-        <a:font script="Taml" typeface="Latha"/>
-        <a:font script="Syrc" typeface="Estrangelo Edessa"/>
-        <a:font script="Orya" typeface="Kalinga"/>
-        <a:font script="Mlym" typeface="Kartika"/>
-        <a:font script="Laoo" typeface="DokChampa"/>
-        <a:font script="Sinh" typeface="Iskoola Pota"/>
-        <a:font script="Mong" typeface="Mongolian Baiti"/>
-        <a:font script="Viet" typeface="Times New Roman"/>
-        <a:font script="Uigh" typeface="Microsoft Uighur"/>
-        <a:font script="Geor" typeface="Sylfaen"/>
-      </a:majorFont>
-      <a:minorFont>
-        <a:latin typeface="Arial"/>
-        <a:ea typeface=""/>
-        <a:cs typeface=""/>
-        <a:font script="Jpan" typeface="ＭＳ Ｐゴシック"/>
-        <a:font script="Hang" typeface="맑은 고딕"/>
-        <a:font script="Hans" typeface="宋体"/>
-        <a:font script="Hant" typeface="新細明體"/>
-        <a:font script="Arab" typeface="Arial"/>
-        <a:font script="Hebr" typeface="Arial"/>
-        <a:font script="Thai" typeface="Cordia New"/>
-        <a:font script="Ethi" typeface="Nyala"/>
-        <a:font script="Beng" typeface="Vrinda"/>
-        <a:font script="Gujr" typeface="Shruti"/>
-        <a:font script="Khmr" typeface="DaunPenh"/>
-        <a:font script="Knda" typeface="Tunga"/>
-        <a:font script="Guru" typeface="Raavi"/>
-        <a:font script="Cans" typeface="Euphemia"/>
-        <a:font script="Cher" typeface="Plantagenet Cherokee"/>
-        <a:font script="Yiii" typeface="Microsoft Yi Baiti"/>
-        <a:font script="Tibt" typeface="Microsoft Himalaya"/>
-        <a:font script="Thaa" typeface="MV Boli"/>
-        <a:font script="Deva" typeface="Mangal"/>
-        <a:font script="Telu" typeface="Gautami"/>
-        <a:font script="Taml" typeface="Latha"/>
-        <a:font script="Syrc" typeface="Estrangelo Edessa"/>
-        <a:font script="Orya" typeface="Kalinga"/>
-        <a:font script="Mlym" typeface="Kartika"/>
-        <a:font script="Laoo" typeface="DokChampa"/>
-        <a:font script="Sinh" typeface="Iskoola Pota"/>
-        <a:font script="Mong" typeface="Mongolian Baiti"/>
-        <a:font script="Viet" typeface="Arial"/>
-        <a:font script="Uigh" typeface="Microsoft Uighur"/>
-        <a:font script="Geor" typeface="Sylfaen"/>
-      </a:minorFont>
-    </a:fontScheme>
-    <a:fmtScheme name="Office">
-      <a:fillStyleLst>
-        <a:solidFill>
-          <a:schemeClr val="phClr"/>
-        </a:solidFill>
-        <a:gradFill rotWithShape="1">
-          <a:gsLst>
-            <a:gs pos="0">
-              <a:schemeClr val="phClr">
-                <a:tint val="50000"/>
-                <a:satMod val="300000"/>
-              </a:schemeClr>
-            </a:gs>
-            <a:gs pos="35000">
-              <a:schemeClr val="phClr">
-                <a:tint val="37000"/>
-                <a:satMod val="300000"/>
-              </a:schemeClr>
-            </a:gs>
-            <a:gs pos="100000">
-              <a:schemeClr val="phClr">
-                <a:tint val="15000"/>
-                <a:satMod val="350000"/>
-              </a:schemeClr>
-            </a:gs>
-          </a:gsLst>
-          <a:lin ang="16200000" scaled="1"/>
-        </a:gradFill>
-        <a:gradFill rotWithShape="1">
-          <a:gsLst>
-            <a:gs pos="0">
-              <a:schemeClr val="phClr">
-                <a:tint val="100000"/>
-                <a:shade val="100000"/>
-                <a:satMod val="130000"/>
-              </a:schemeClr>
-            </a:gs>
-            <a:gs pos="100000">
-              <a:schemeClr val="phClr">
-                <a:tint val="50000"/>
-                <a:shade val="100000"/>
-                <a:satMod val="350000"/>
-              </a:schemeClr>
-            </a:gs>
-          </a:gsLst>
-          <a:lin ang="16200000" scaled="0"/>
-        </a:gradFill>
-      </a:fillStyleLst>
-      <a:lnStyleLst>
-        <a:ln w="9525" cap="flat" cmpd="sng" algn="ctr">
-          <a:solidFill>
-            <a:schemeClr val="phClr">
-              <a:shade val="95000"/>
-              <a:satMod val="105000"/>
-            </a:schemeClr>
-          </a:solidFill>
-          <a:prstDash val="solid"/>
-        </a:ln>
-        <a:ln w="25400" cap="flat" cmpd="sng" algn="ctr">
-          <a:solidFill>
-            <a:schemeClr val="phClr"/>
-          </a:solidFill>
-          <a:prstDash val="solid"/>
-        </a:ln>
-        <a:ln w="38100" cap="flat" cmpd="sng" algn="ctr">
-          <a:solidFill>
-            <a:schemeClr val="phClr"/>
-          </a:solidFill>
-          <a:prstDash val="solid"/>
-        </a:ln>
-      </a:lnStyleLst>
-      <a:effectStyleLst>
-        <a:effectStyle>
-          <a:effectLst>
-            <a:outerShdw blurRad="40000" dist="20000" dir="5400000" rotWithShape="0">
-              <a:srgbClr val="000000">
-                <a:alpha val="38000"/>
-              </a:srgbClr>
-            </a:outerShdw>
-          </a:effectLst>
-        </a:effectStyle>
-        <a:effectStyle>
-          <a:effectLst>
-            <a:outerShdw blurRad="40000" dist="23000" dir="5400000" rotWithShape="0">
-              <a:srgbClr val="000000">
-                <a:alpha val="35000"/>
-              </a:srgbClr>
-            </a:outerShdw>
-          </a:effectLst>
-        </a:effectStyle>
-        <a:effectStyle>
-          <a:effectLst>
-            <a:outerShdw blurRad="40000" dist="23000" dir="5400000" rotWithShape="0">
-              <a:srgbClr val="000000">
-                <a:alpha val="35000"/>
-              </a:srgbClr>
-            </a:outerShdw>
-          </a:effectLst>
-          <a:scene3d>
-            <a:camera prst="orthographicFront">
-              <a:rot lat="0" lon="0" rev="0"/>
-            </a:camera>
-            <a:lightRig rig="threePt" dir="t">
-              <a:rot lat="0" lon="0" rev="1200000"/>
-            </a:lightRig>
-          </a:scene3d>
-          <a:sp3d>
-            <a:bevelT w="63500" h="25400"/>
-          </a:sp3d>
-        </a:effectStyle>
-      </a:effectStyleLst>
-      <a:bgFillStyleLst>
-        <a:solidFill>
-          <a:schemeClr val="phClr"/>
-        </a:solidFill>
-        <a:gradFill rotWithShape="1">
-          <a:gsLst>
-            <a:gs pos="0">
-              <a:schemeClr val="phClr">
-                <a:tint val="40000"/>
-                <a:satMod val="350000"/>
-              </a:schemeClr>
-            </a:gs>
-            <a:gs pos="40000">
-              <a:schemeClr val="phClr">
-                <a:tint val="45000"/>
-                <a:shade val="99000"/>
-                <a:satMod val="350000"/>
-              </a:schemeClr>
-            </a:gs>
-            <a:gs pos="100000">
-              <a:schemeClr val="phClr">
-                <a:shade val="20000"/>
-                <a:satMod val="255000"/>
-              </a:schemeClr>
-            </a:gs>
-          </a:gsLst>
-          <a:path path="circle">
-            <a:fillToRect l="50000" t="-80000" r="50000" b="180000"/>
-          </a:path>
-        </a:gradFill>
-        <a:gradFill rotWithShape="1">
-          <a:gsLst>
-            <a:gs pos="0">
-              <a:schemeClr val="phClr">
-                <a:tint val="80000"/>
-                <a:satMod val="300000"/>
-              </a:schemeClr>
-            </a:gs>
-            <a:gs pos="100000">
-              <a:schemeClr val="phClr">
-                <a:shade val="30000"/>
-                <a:satMod val="200000"/>
-              </a:schemeClr>
-            </a:gs>
-          </a:gsLst>
-          <a:path path="circle">
-            <a:fillToRect l="50000" t="50000" r="50000" b="50000"/>
-          </a:path>
-        </a:gradFill>
-      </a:bgFillStyleLst>
-    </a:fmtScheme>
-  </a:themeElements>
-</a:theme>
 </file>